--- a/第4节课/01ppt/P1-4第四节.pptx
+++ b/第4节课/01ppt/P1-4第四节.pptx
@@ -18,11 +18,12 @@
     <p:sldId id="445" r:id="rId13"/>
     <p:sldId id="446" r:id="rId14"/>
     <p:sldId id="448" r:id="rId15"/>
-    <p:sldId id="449" r:id="rId16"/>
-    <p:sldId id="452" r:id="rId17"/>
-    <p:sldId id="450" r:id="rId18"/>
-    <p:sldId id="451" r:id="rId19"/>
-    <p:sldId id="260" r:id="rId20"/>
+    <p:sldId id="458" r:id="rId16"/>
+    <p:sldId id="449" r:id="rId17"/>
+    <p:sldId id="452" r:id="rId18"/>
+    <p:sldId id="450" r:id="rId19"/>
+    <p:sldId id="451" r:id="rId20"/>
+    <p:sldId id="260" r:id="rId21"/>
   </p:sldIdLst>
   <p:sldSz cx="12192000" cy="6858000"/>
   <p:notesSz cx="6858000" cy="9144000"/>
@@ -3473,7 +3474,7 @@
         <p:spPr bwMode="auto">
           <a:xfrm>
             <a:off x="384175" y="4723734"/>
-            <a:ext cx="2157006" cy="461963"/>
+            <a:ext cx="2157006" cy="460375"/>
           </a:xfrm>
           <a:prstGeom prst="rect">
             <a:avLst/>
@@ -3624,6 +3625,16 @@
           </a:lstStyle>
           <a:p>
             <a:pPr eaLnBrk="1" hangingPunct="1"/>
+            <a:r>
+              <a:rPr lang="en-US" altLang="zh-CN" sz="2400" dirty="0">
+                <a:solidFill>
+                  <a:srgbClr val="FABF01"/>
+                </a:solidFill>
+                <a:latin typeface="微软雅黑" panose="020B0503020204020204" pitchFamily="34" charset="-122"/>
+                <a:ea typeface="微软雅黑" panose="020B0503020204020204" pitchFamily="34" charset="-122"/>
+              </a:rPr>
+              <a:t>·</a:t>
+            </a:r>
             <a:r>
               <a:rPr lang="zh-CN" altLang="en-US" sz="2400" dirty="0">
                 <a:solidFill>
@@ -4084,8 +4095,8 @@
         </p:nvSpPr>
         <p:spPr>
           <a:xfrm>
-            <a:off x="1800000" y="1274220"/>
-            <a:ext cx="8989695" cy="4707890"/>
+            <a:off x="2880000" y="1080000"/>
+            <a:ext cx="8989695" cy="1014730"/>
           </a:xfrm>
           <a:prstGeom prst="rect">
             <a:avLst/>
@@ -4104,441 +4115,6 @@
               <a:buFont typeface="Arial" panose="020B0604020202020204" pitchFamily="34" charset="0"/>
               <a:buNone/>
             </a:pPr>
-            <a:r>
-              <a:rPr lang="en-US" altLang="zh-CN" sz="2000">
-                <a:solidFill>
-                  <a:srgbClr val="0070C0"/>
-                </a:solidFill>
-                <a:effectLst>
-                  <a:outerShdw blurRad="38100" dist="25400" dir="5400000" algn="ctr" rotWithShape="0">
-                    <a:srgbClr val="6E747A">
-                      <a:alpha val="43000"/>
-                    </a:srgbClr>
-                  </a:outerShdw>
-                </a:effectLst>
-                <a:latin typeface="微软雅黑" panose="020B0503020204020204" pitchFamily="34" charset="-122"/>
-                <a:ea typeface="微软雅黑" panose="020B0503020204020204" pitchFamily="34" charset="-122"/>
-                <a:cs typeface="微软雅黑" panose="020B0503020204020204" pitchFamily="34" charset="-122"/>
-                <a:sym typeface="+mn-ea"/>
-              </a:rPr>
-              <a:t>#</a:t>
-            </a:r>
-            <a:r>
-              <a:rPr lang="zh-CN" altLang="en-US" sz="2000">
-                <a:solidFill>
-                  <a:srgbClr val="0070C0"/>
-                </a:solidFill>
-                <a:effectLst>
-                  <a:outerShdw blurRad="38100" dist="25400" dir="5400000" algn="ctr" rotWithShape="0">
-                    <a:srgbClr val="6E747A">
-                      <a:alpha val="43000"/>
-                    </a:srgbClr>
-                  </a:outerShdw>
-                </a:effectLst>
-                <a:latin typeface="微软雅黑" panose="020B0503020204020204" pitchFamily="34" charset="-122"/>
-                <a:ea typeface="微软雅黑" panose="020B0503020204020204" pitchFamily="34" charset="-122"/>
-                <a:cs typeface="微软雅黑" panose="020B0503020204020204" pitchFamily="34" charset="-122"/>
-                <a:sym typeface="+mn-ea"/>
-              </a:rPr>
-              <a:t>引入海龟库，</a:t>
-            </a:r>
-            <a:r>
-              <a:rPr lang="en-US" altLang="zh-CN" sz="2000">
-                <a:solidFill>
-                  <a:srgbClr val="0070C0"/>
-                </a:solidFill>
-                <a:effectLst>
-                  <a:outerShdw blurRad="38100" dist="25400" dir="5400000" algn="ctr" rotWithShape="0">
-                    <a:srgbClr val="6E747A">
-                      <a:alpha val="43000"/>
-                    </a:srgbClr>
-                  </a:outerShdw>
-                </a:effectLst>
-                <a:latin typeface="微软雅黑" panose="020B0503020204020204" pitchFamily="34" charset="-122"/>
-                <a:ea typeface="微软雅黑" panose="020B0503020204020204" pitchFamily="34" charset="-122"/>
-                <a:cs typeface="微软雅黑" panose="020B0503020204020204" pitchFamily="34" charset="-122"/>
-                <a:sym typeface="+mn-ea"/>
-              </a:rPr>
-              <a:t>import </a:t>
-            </a:r>
-            <a:r>
-              <a:rPr lang="zh-CN" altLang="en-US" sz="2000">
-                <a:solidFill>
-                  <a:srgbClr val="0070C0"/>
-                </a:solidFill>
-                <a:effectLst>
-                  <a:outerShdw blurRad="38100" dist="25400" dir="5400000" algn="ctr" rotWithShape="0">
-                    <a:srgbClr val="6E747A">
-                      <a:alpha val="43000"/>
-                    </a:srgbClr>
-                  </a:outerShdw>
-                </a:effectLst>
-                <a:latin typeface="微软雅黑" panose="020B0503020204020204" pitchFamily="34" charset="-122"/>
-                <a:ea typeface="微软雅黑" panose="020B0503020204020204" pitchFamily="34" charset="-122"/>
-                <a:cs typeface="微软雅黑" panose="020B0503020204020204" pitchFamily="34" charset="-122"/>
-                <a:sym typeface="+mn-ea"/>
-              </a:rPr>
-              <a:t>引入，</a:t>
-            </a:r>
-            <a:r>
-              <a:rPr lang="en-US" altLang="zh-CN" sz="2000">
-                <a:solidFill>
-                  <a:srgbClr val="0070C0"/>
-                </a:solidFill>
-                <a:effectLst>
-                  <a:outerShdw blurRad="38100" dist="25400" dir="5400000" algn="ctr" rotWithShape="0">
-                    <a:srgbClr val="6E747A">
-                      <a:alpha val="43000"/>
-                    </a:srgbClr>
-                  </a:outerShdw>
-                </a:effectLst>
-                <a:latin typeface="微软雅黑" panose="020B0503020204020204" pitchFamily="34" charset="-122"/>
-                <a:ea typeface="微软雅黑" panose="020B0503020204020204" pitchFamily="34" charset="-122"/>
-                <a:cs typeface="微软雅黑" panose="020B0503020204020204" pitchFamily="34" charset="-122"/>
-                <a:sym typeface="+mn-ea"/>
-              </a:rPr>
-              <a:t>turtle</a:t>
-            </a:r>
-            <a:r>
-              <a:rPr lang="zh-CN" altLang="en-US" sz="2000">
-                <a:solidFill>
-                  <a:srgbClr val="0070C0"/>
-                </a:solidFill>
-                <a:effectLst>
-                  <a:outerShdw blurRad="38100" dist="25400" dir="5400000" algn="ctr" rotWithShape="0">
-                    <a:srgbClr val="6E747A">
-                      <a:alpha val="43000"/>
-                    </a:srgbClr>
-                  </a:outerShdw>
-                </a:effectLst>
-                <a:latin typeface="微软雅黑" panose="020B0503020204020204" pitchFamily="34" charset="-122"/>
-                <a:ea typeface="微软雅黑" panose="020B0503020204020204" pitchFamily="34" charset="-122"/>
-                <a:cs typeface="微软雅黑" panose="020B0503020204020204" pitchFamily="34" charset="-122"/>
-                <a:sym typeface="+mn-ea"/>
-              </a:rPr>
-              <a:t>海龟库</a:t>
-            </a:r>
-            <a:endParaRPr lang="en-US" altLang="zh-CN" sz="2000">
-              <a:solidFill>
-                <a:srgbClr val="0070C0"/>
-              </a:solidFill>
-              <a:effectLst>
-                <a:outerShdw blurRad="38100" dist="25400" dir="5400000" algn="ctr" rotWithShape="0">
-                  <a:srgbClr val="6E747A">
-                    <a:alpha val="43000"/>
-                  </a:srgbClr>
-                </a:outerShdw>
-              </a:effectLst>
-              <a:latin typeface="微软雅黑" panose="020B0503020204020204" pitchFamily="34" charset="-122"/>
-              <a:ea typeface="微软雅黑" panose="020B0503020204020204" pitchFamily="34" charset="-122"/>
-              <a:cs typeface="微软雅黑" panose="020B0503020204020204" pitchFamily="34" charset="-122"/>
-              <a:sym typeface="+mn-ea"/>
-            </a:endParaRPr>
-          </a:p>
-          <a:p>
-            <a:pPr marL="0" indent="0" algn="l">
-              <a:lnSpc>
-                <a:spcPct val="200000"/>
-              </a:lnSpc>
-              <a:buFont typeface="Arial" panose="020B0604020202020204" pitchFamily="34" charset="0"/>
-              <a:buNone/>
-            </a:pPr>
-            <a:r>
-              <a:rPr lang="en-US" altLang="zh-CN" sz="2000">
-                <a:solidFill>
-                  <a:srgbClr val="0070C0"/>
-                </a:solidFill>
-                <a:effectLst>
-                  <a:outerShdw blurRad="38100" dist="25400" dir="5400000" algn="ctr" rotWithShape="0">
-                    <a:srgbClr val="6E747A">
-                      <a:alpha val="43000"/>
-                    </a:srgbClr>
-                  </a:outerShdw>
-                </a:effectLst>
-                <a:latin typeface="微软雅黑" panose="020B0503020204020204" pitchFamily="34" charset="-122"/>
-                <a:ea typeface="微软雅黑" panose="020B0503020204020204" pitchFamily="34" charset="-122"/>
-                <a:cs typeface="微软雅黑" panose="020B0503020204020204" pitchFamily="34" charset="-122"/>
-                <a:sym typeface="+mn-ea"/>
-              </a:rPr>
-              <a:t>import turtle</a:t>
-            </a:r>
-            <a:endParaRPr sz="2000">
-              <a:solidFill>
-                <a:srgbClr val="0070C0"/>
-              </a:solidFill>
-              <a:effectLst>
-                <a:outerShdw blurRad="38100" dist="25400" dir="5400000" algn="ctr" rotWithShape="0">
-                  <a:srgbClr val="6E747A">
-                    <a:alpha val="43000"/>
-                  </a:srgbClr>
-                </a:outerShdw>
-              </a:effectLst>
-              <a:latin typeface="微软雅黑" panose="020B0503020204020204" pitchFamily="34" charset="-122"/>
-              <a:ea typeface="微软雅黑" panose="020B0503020204020204" pitchFamily="34" charset="-122"/>
-              <a:cs typeface="微软雅黑" panose="020B0503020204020204" pitchFamily="34" charset="-122"/>
-              <a:sym typeface="+mn-ea"/>
-            </a:endParaRPr>
-          </a:p>
-          <a:p>
-            <a:pPr marL="0" indent="0" algn="l">
-              <a:lnSpc>
-                <a:spcPct val="200000"/>
-              </a:lnSpc>
-              <a:buFont typeface="Arial" panose="020B0604020202020204" pitchFamily="34" charset="0"/>
-              <a:buNone/>
-            </a:pPr>
-            <a:r>
-              <a:rPr sz="2000">
-                <a:solidFill>
-                  <a:srgbClr val="0070C0"/>
-                </a:solidFill>
-                <a:effectLst>
-                  <a:outerShdw blurRad="38100" dist="25400" dir="5400000" algn="ctr" rotWithShape="0">
-                    <a:srgbClr val="6E747A">
-                      <a:alpha val="43000"/>
-                    </a:srgbClr>
-                  </a:outerShdw>
-                </a:effectLst>
-                <a:latin typeface="微软雅黑" panose="020B0503020204020204" pitchFamily="34" charset="-122"/>
-                <a:ea typeface="微软雅黑" panose="020B0503020204020204" pitchFamily="34" charset="-122"/>
-                <a:cs typeface="微软雅黑" panose="020B0503020204020204" pitchFamily="34" charset="-122"/>
-                <a:sym typeface="+mn-ea"/>
-              </a:rPr>
-              <a:t>#把海龟改为熊猫</a:t>
-            </a:r>
-            <a:endParaRPr sz="2000">
-              <a:solidFill>
-                <a:srgbClr val="0070C0"/>
-              </a:solidFill>
-              <a:effectLst>
-                <a:outerShdw blurRad="38100" dist="25400" dir="5400000" algn="ctr" rotWithShape="0">
-                  <a:srgbClr val="6E747A">
-                    <a:alpha val="43000"/>
-                  </a:srgbClr>
-                </a:outerShdw>
-              </a:effectLst>
-              <a:latin typeface="微软雅黑" panose="020B0503020204020204" pitchFamily="34" charset="-122"/>
-              <a:ea typeface="微软雅黑" panose="020B0503020204020204" pitchFamily="34" charset="-122"/>
-              <a:cs typeface="微软雅黑" panose="020B0503020204020204" pitchFamily="34" charset="-122"/>
-              <a:sym typeface="+mn-ea"/>
-            </a:endParaRPr>
-          </a:p>
-          <a:p>
-            <a:pPr marL="0" indent="0" algn="l">
-              <a:lnSpc>
-                <a:spcPct val="200000"/>
-              </a:lnSpc>
-              <a:buFont typeface="Arial" panose="020B0604020202020204" pitchFamily="34" charset="0"/>
-              <a:buNone/>
-            </a:pPr>
-            <a:r>
-              <a:rPr sz="2000">
-                <a:solidFill>
-                  <a:srgbClr val="0070C0"/>
-                </a:solidFill>
-                <a:effectLst>
-                  <a:outerShdw blurRad="38100" dist="25400" dir="5400000" algn="ctr" rotWithShape="0">
-                    <a:srgbClr val="6E747A">
-                      <a:alpha val="43000"/>
-                    </a:srgbClr>
-                  </a:outerShdw>
-                </a:effectLst>
-                <a:latin typeface="微软雅黑" panose="020B0503020204020204" pitchFamily="34" charset="-122"/>
-                <a:ea typeface="微软雅黑" panose="020B0503020204020204" pitchFamily="34" charset="-122"/>
-                <a:cs typeface="微软雅黑" panose="020B0503020204020204" pitchFamily="34" charset="-122"/>
-                <a:sym typeface="+mn-ea"/>
-              </a:rPr>
-              <a:t>turtle.register_shape('panda.gif')</a:t>
-            </a:r>
-            <a:endParaRPr sz="2000">
-              <a:solidFill>
-                <a:srgbClr val="0070C0"/>
-              </a:solidFill>
-              <a:effectLst>
-                <a:outerShdw blurRad="38100" dist="25400" dir="5400000" algn="ctr" rotWithShape="0">
-                  <a:srgbClr val="6E747A">
-                    <a:alpha val="43000"/>
-                  </a:srgbClr>
-                </a:outerShdw>
-              </a:effectLst>
-              <a:latin typeface="微软雅黑" panose="020B0503020204020204" pitchFamily="34" charset="-122"/>
-              <a:ea typeface="微软雅黑" panose="020B0503020204020204" pitchFamily="34" charset="-122"/>
-              <a:cs typeface="微软雅黑" panose="020B0503020204020204" pitchFamily="34" charset="-122"/>
-              <a:sym typeface="+mn-ea"/>
-            </a:endParaRPr>
-          </a:p>
-          <a:p>
-            <a:pPr marL="0" indent="0" algn="l">
-              <a:lnSpc>
-                <a:spcPct val="200000"/>
-              </a:lnSpc>
-              <a:buFont typeface="Arial" panose="020B0604020202020204" pitchFamily="34" charset="0"/>
-              <a:buNone/>
-            </a:pPr>
-            <a:r>
-              <a:rPr sz="2000">
-                <a:solidFill>
-                  <a:srgbClr val="0070C0"/>
-                </a:solidFill>
-                <a:effectLst>
-                  <a:outerShdw blurRad="38100" dist="25400" dir="5400000" algn="ctr" rotWithShape="0">
-                    <a:srgbClr val="6E747A">
-                      <a:alpha val="43000"/>
-                    </a:srgbClr>
-                  </a:outerShdw>
-                </a:effectLst>
-                <a:latin typeface="微软雅黑" panose="020B0503020204020204" pitchFamily="34" charset="-122"/>
-                <a:ea typeface="微软雅黑" panose="020B0503020204020204" pitchFamily="34" charset="-122"/>
-                <a:cs typeface="微软雅黑" panose="020B0503020204020204" pitchFamily="34" charset="-122"/>
-                <a:sym typeface="+mn-ea"/>
-              </a:rPr>
-              <a:t>turtle.shape('panda.gif')</a:t>
-            </a:r>
-            <a:endParaRPr sz="2000">
-              <a:solidFill>
-                <a:srgbClr val="0070C0"/>
-              </a:solidFill>
-              <a:effectLst>
-                <a:outerShdw blurRad="38100" dist="25400" dir="5400000" algn="ctr" rotWithShape="0">
-                  <a:srgbClr val="6E747A">
-                    <a:alpha val="43000"/>
-                  </a:srgbClr>
-                </a:outerShdw>
-              </a:effectLst>
-              <a:latin typeface="微软雅黑" panose="020B0503020204020204" pitchFamily="34" charset="-122"/>
-              <a:ea typeface="微软雅黑" panose="020B0503020204020204" pitchFamily="34" charset="-122"/>
-              <a:cs typeface="微软雅黑" panose="020B0503020204020204" pitchFamily="34" charset="-122"/>
-              <a:sym typeface="+mn-ea"/>
-            </a:endParaRPr>
-          </a:p>
-          <a:p>
-            <a:pPr marL="0" indent="0" algn="l">
-              <a:lnSpc>
-                <a:spcPct val="200000"/>
-              </a:lnSpc>
-              <a:buFont typeface="Arial" panose="020B0604020202020204" pitchFamily="34" charset="0"/>
-              <a:buNone/>
-            </a:pPr>
-            <a:r>
-              <a:rPr lang="en-US" sz="2000">
-                <a:solidFill>
-                  <a:srgbClr val="0070C0"/>
-                </a:solidFill>
-                <a:effectLst>
-                  <a:outerShdw blurRad="38100" dist="25400" dir="5400000" algn="ctr" rotWithShape="0">
-                    <a:srgbClr val="6E747A">
-                      <a:alpha val="43000"/>
-                    </a:srgbClr>
-                  </a:outerShdw>
-                </a:effectLst>
-                <a:latin typeface="微软雅黑" panose="020B0503020204020204" pitchFamily="34" charset="-122"/>
-                <a:ea typeface="微软雅黑" panose="020B0503020204020204" pitchFamily="34" charset="-122"/>
-                <a:cs typeface="微软雅黑" panose="020B0503020204020204" pitchFamily="34" charset="-122"/>
-                <a:sym typeface="+mn-ea"/>
-              </a:rPr>
-              <a:t>#</a:t>
-            </a:r>
-            <a:r>
-              <a:rPr lang="zh-CN" altLang="en-US" sz="2000">
-                <a:solidFill>
-                  <a:srgbClr val="0070C0"/>
-                </a:solidFill>
-                <a:effectLst>
-                  <a:outerShdw blurRad="38100" dist="25400" dir="5400000" algn="ctr" rotWithShape="0">
-                    <a:srgbClr val="6E747A">
-                      <a:alpha val="43000"/>
-                    </a:srgbClr>
-                  </a:outerShdw>
-                </a:effectLst>
-                <a:latin typeface="微软雅黑" panose="020B0503020204020204" pitchFamily="34" charset="-122"/>
-                <a:ea typeface="微软雅黑" panose="020B0503020204020204" pitchFamily="34" charset="-122"/>
-                <a:cs typeface="微软雅黑" panose="020B0503020204020204" pitchFamily="34" charset="-122"/>
-                <a:sym typeface="+mn-ea"/>
-              </a:rPr>
-              <a:t>移动到坐标为</a:t>
-            </a:r>
-            <a:r>
-              <a:rPr lang="en-US" altLang="zh-CN" sz="2000">
-                <a:solidFill>
-                  <a:srgbClr val="0070C0"/>
-                </a:solidFill>
-                <a:effectLst>
-                  <a:outerShdw blurRad="38100" dist="25400" dir="5400000" algn="ctr" rotWithShape="0">
-                    <a:srgbClr val="6E747A">
-                      <a:alpha val="43000"/>
-                    </a:srgbClr>
-                  </a:outerShdw>
-                </a:effectLst>
-                <a:latin typeface="微软雅黑" panose="020B0503020204020204" pitchFamily="34" charset="-122"/>
-                <a:ea typeface="微软雅黑" panose="020B0503020204020204" pitchFamily="34" charset="-122"/>
-                <a:cs typeface="微软雅黑" panose="020B0503020204020204" pitchFamily="34" charset="-122"/>
-                <a:sym typeface="+mn-ea"/>
-              </a:rPr>
-              <a:t>(100,100)</a:t>
-            </a:r>
-            <a:r>
-              <a:rPr lang="zh-CN" altLang="en-US" sz="2000">
-                <a:solidFill>
-                  <a:srgbClr val="0070C0"/>
-                </a:solidFill>
-                <a:effectLst>
-                  <a:outerShdw blurRad="38100" dist="25400" dir="5400000" algn="ctr" rotWithShape="0">
-                    <a:srgbClr val="6E747A">
-                      <a:alpha val="43000"/>
-                    </a:srgbClr>
-                  </a:outerShdw>
-                </a:effectLst>
-                <a:latin typeface="微软雅黑" panose="020B0503020204020204" pitchFamily="34" charset="-122"/>
-                <a:ea typeface="微软雅黑" panose="020B0503020204020204" pitchFamily="34" charset="-122"/>
-                <a:cs typeface="微软雅黑" panose="020B0503020204020204" pitchFamily="34" charset="-122"/>
-                <a:sym typeface="+mn-ea"/>
-              </a:rPr>
-              <a:t>的位置</a:t>
-            </a:r>
-            <a:endParaRPr lang="en-US" sz="2000">
-              <a:solidFill>
-                <a:srgbClr val="0070C0"/>
-              </a:solidFill>
-              <a:effectLst>
-                <a:outerShdw blurRad="38100" dist="25400" dir="5400000" algn="ctr" rotWithShape="0">
-                  <a:srgbClr val="6E747A">
-                    <a:alpha val="43000"/>
-                  </a:srgbClr>
-                </a:outerShdw>
-              </a:effectLst>
-              <a:latin typeface="微软雅黑" panose="020B0503020204020204" pitchFamily="34" charset="-122"/>
-              <a:ea typeface="微软雅黑" panose="020B0503020204020204" pitchFamily="34" charset="-122"/>
-              <a:cs typeface="微软雅黑" panose="020B0503020204020204" pitchFamily="34" charset="-122"/>
-              <a:sym typeface="+mn-ea"/>
-            </a:endParaRPr>
-          </a:p>
-          <a:p>
-            <a:pPr marL="0" indent="0" algn="l">
-              <a:lnSpc>
-                <a:spcPct val="200000"/>
-              </a:lnSpc>
-              <a:buFont typeface="Arial" panose="020B0604020202020204" pitchFamily="34" charset="0"/>
-              <a:buNone/>
-            </a:pPr>
-            <a:r>
-              <a:rPr sz="2000">
-                <a:solidFill>
-                  <a:srgbClr val="0070C0"/>
-                </a:solidFill>
-                <a:effectLst>
-                  <a:outerShdw blurRad="38100" dist="25400" dir="5400000" algn="ctr" rotWithShape="0">
-                    <a:srgbClr val="6E747A">
-                      <a:alpha val="43000"/>
-                    </a:srgbClr>
-                  </a:outerShdw>
-                </a:effectLst>
-                <a:latin typeface="微软雅黑" panose="020B0503020204020204" pitchFamily="34" charset="-122"/>
-                <a:ea typeface="微软雅黑" panose="020B0503020204020204" pitchFamily="34" charset="-122"/>
-                <a:cs typeface="微软雅黑" panose="020B0503020204020204" pitchFamily="34" charset="-122"/>
-                <a:sym typeface="+mn-ea"/>
-              </a:rPr>
-              <a:t>turtle.goto(100,100)</a:t>
-            </a:r>
             <a:endParaRPr sz="2000">
               <a:solidFill>
                 <a:srgbClr val="0070C0"/>
@@ -4621,13 +4197,13 @@
       </p:pic>
       <p:sp>
         <p:nvSpPr>
-          <p:cNvPr id="2" name="文本框 1"/>
+          <p:cNvPr id="3" name="文本框 2"/>
           <p:cNvSpPr txBox="1"/>
           <p:nvPr/>
         </p:nvSpPr>
         <p:spPr>
           <a:xfrm>
-            <a:off x="1800000" y="1080000"/>
+            <a:off x="1364435" y="1440000"/>
             <a:ext cx="3140710" cy="368300"/>
           </a:xfrm>
           <a:prstGeom prst="rect">
@@ -4646,7 +4222,511 @@
             </a:pPr>
             <a:r>
               <a:rPr lang="zh-CN" altLang="en-US"/>
-              <a:t>绘制线段</a:t>
+              <a:t>绘制熊猫</a:t>
+            </a:r>
+            <a:endParaRPr lang="zh-CN" altLang="en-US"/>
+          </a:p>
+        </p:txBody>
+      </p:sp>
+      <p:sp>
+        <p:nvSpPr>
+          <p:cNvPr id="5" name="文本框 4"/>
+          <p:cNvSpPr txBox="1"/>
+          <p:nvPr/>
+        </p:nvSpPr>
+        <p:spPr>
+          <a:xfrm>
+            <a:off x="2880000" y="1080000"/>
+            <a:ext cx="4811395" cy="4523105"/>
+          </a:xfrm>
+          <a:prstGeom prst="rect">
+            <a:avLst/>
+          </a:prstGeom>
+          <a:noFill/>
+        </p:spPr>
+        <p:txBody>
+          <a:bodyPr wrap="square" rtlCol="0">
+            <a:spAutoFit/>
+          </a:bodyPr>
+          <a:p>
+            <a:pPr marL="0" indent="0" algn="l">
+              <a:lnSpc>
+                <a:spcPct val="200000"/>
+              </a:lnSpc>
+              <a:buFont typeface="Arial" panose="020B0604020202020204" pitchFamily="34" charset="0"/>
+              <a:buNone/>
+            </a:pPr>
+            <a:r>
+              <a:rPr lang="zh-CN" altLang="en-US" b="1">
+                <a:solidFill>
+                  <a:srgbClr val="FF0000"/>
+                </a:solidFill>
+                <a:effectLst>
+                  <a:outerShdw blurRad="38100" dist="25400" dir="5400000" algn="ctr" rotWithShape="0">
+                    <a:srgbClr val="6E747A">
+                      <a:alpha val="43000"/>
+                    </a:srgbClr>
+                  </a:outerShdw>
+                </a:effectLst>
+                <a:latin typeface="微软雅黑" panose="020B0503020204020204" pitchFamily="34" charset="-122"/>
+                <a:ea typeface="微软雅黑" panose="020B0503020204020204" pitchFamily="34" charset="-122"/>
+                <a:cs typeface="微软雅黑" panose="020B0503020204020204" pitchFamily="34" charset="-122"/>
+                <a:sym typeface="+mn-ea"/>
+              </a:rPr>
+              <a:t>例</a:t>
+            </a:r>
+            <a:r>
+              <a:rPr lang="en-US" altLang="zh-CN" b="1">
+                <a:solidFill>
+                  <a:srgbClr val="FF0000"/>
+                </a:solidFill>
+                <a:effectLst>
+                  <a:outerShdw blurRad="38100" dist="25400" dir="5400000" algn="ctr" rotWithShape="0">
+                    <a:srgbClr val="6E747A">
+                      <a:alpha val="43000"/>
+                    </a:srgbClr>
+                  </a:outerShdw>
+                </a:effectLst>
+                <a:latin typeface="微软雅黑" panose="020B0503020204020204" pitchFamily="34" charset="-122"/>
+                <a:ea typeface="微软雅黑" panose="020B0503020204020204" pitchFamily="34" charset="-122"/>
+                <a:cs typeface="微软雅黑" panose="020B0503020204020204" pitchFamily="34" charset="-122"/>
+                <a:sym typeface="+mn-ea"/>
+              </a:rPr>
+              <a:t>3</a:t>
+            </a:r>
+            <a:r>
+              <a:rPr lang="zh-CN" altLang="en-US" b="1">
+                <a:solidFill>
+                  <a:srgbClr val="FF0000"/>
+                </a:solidFill>
+                <a:effectLst>
+                  <a:outerShdw blurRad="38100" dist="25400" dir="5400000" algn="ctr" rotWithShape="0">
+                    <a:srgbClr val="6E747A">
+                      <a:alpha val="43000"/>
+                    </a:srgbClr>
+                  </a:outerShdw>
+                </a:effectLst>
+                <a:latin typeface="微软雅黑" panose="020B0503020204020204" pitchFamily="34" charset="-122"/>
+                <a:ea typeface="微软雅黑" panose="020B0503020204020204" pitchFamily="34" charset="-122"/>
+                <a:cs typeface="微软雅黑" panose="020B0503020204020204" pitchFamily="34" charset="-122"/>
+                <a:sym typeface="+mn-ea"/>
+              </a:rPr>
+              <a:t>：</a:t>
+            </a:r>
+            <a:endParaRPr lang="en-US" altLang="zh-CN" b="1">
+              <a:solidFill>
+                <a:schemeClr val="tx1"/>
+              </a:solidFill>
+              <a:effectLst>
+                <a:outerShdw blurRad="38100" dist="25400" dir="5400000" algn="ctr" rotWithShape="0">
+                  <a:srgbClr val="6E747A">
+                    <a:alpha val="43000"/>
+                  </a:srgbClr>
+                </a:outerShdw>
+              </a:effectLst>
+              <a:latin typeface="微软雅黑" panose="020B0503020204020204" pitchFamily="34" charset="-122"/>
+              <a:ea typeface="微软雅黑" panose="020B0503020204020204" pitchFamily="34" charset="-122"/>
+              <a:cs typeface="微软雅黑" panose="020B0503020204020204" pitchFamily="34" charset="-122"/>
+              <a:sym typeface="+mn-ea"/>
+            </a:endParaRPr>
+          </a:p>
+          <a:p>
+            <a:pPr marL="0" indent="0" algn="l">
+              <a:lnSpc>
+                <a:spcPct val="200000"/>
+              </a:lnSpc>
+              <a:buFont typeface="Arial" panose="020B0604020202020204" pitchFamily="34" charset="0"/>
+              <a:buNone/>
+            </a:pPr>
+            <a:r>
+              <a:rPr lang="en-US" altLang="zh-CN">
+                <a:effectLst>
+                  <a:outerShdw blurRad="38100" dist="25400" dir="5400000" algn="ctr" rotWithShape="0">
+                    <a:srgbClr val="6E747A">
+                      <a:alpha val="43000"/>
+                    </a:srgbClr>
+                  </a:outerShdw>
+                </a:effectLst>
+                <a:latin typeface="微软雅黑" panose="020B0503020204020204" pitchFamily="34" charset="-122"/>
+                <a:ea typeface="微软雅黑" panose="020B0503020204020204" pitchFamily="34" charset="-122"/>
+                <a:cs typeface="微软雅黑" panose="020B0503020204020204" pitchFamily="34" charset="-122"/>
+                <a:sym typeface="+mn-ea"/>
+              </a:rPr>
+              <a:t>#</a:t>
+            </a:r>
+            <a:r>
+              <a:rPr lang="zh-CN" altLang="en-US">
+                <a:effectLst>
+                  <a:outerShdw blurRad="38100" dist="25400" dir="5400000" algn="ctr" rotWithShape="0">
+                    <a:srgbClr val="6E747A">
+                      <a:alpha val="43000"/>
+                    </a:srgbClr>
+                  </a:outerShdw>
+                </a:effectLst>
+                <a:latin typeface="微软雅黑" panose="020B0503020204020204" pitchFamily="34" charset="-122"/>
+                <a:ea typeface="微软雅黑" panose="020B0503020204020204" pitchFamily="34" charset="-122"/>
+                <a:cs typeface="微软雅黑" panose="020B0503020204020204" pitchFamily="34" charset="-122"/>
+                <a:sym typeface="+mn-ea"/>
+              </a:rPr>
+              <a:t>引入海龟库，</a:t>
+            </a:r>
+            <a:r>
+              <a:rPr lang="en-US" altLang="zh-CN">
+                <a:effectLst>
+                  <a:outerShdw blurRad="38100" dist="25400" dir="5400000" algn="ctr" rotWithShape="0">
+                    <a:srgbClr val="6E747A">
+                      <a:alpha val="43000"/>
+                    </a:srgbClr>
+                  </a:outerShdw>
+                </a:effectLst>
+                <a:latin typeface="微软雅黑" panose="020B0503020204020204" pitchFamily="34" charset="-122"/>
+                <a:ea typeface="微软雅黑" panose="020B0503020204020204" pitchFamily="34" charset="-122"/>
+                <a:cs typeface="微软雅黑" panose="020B0503020204020204" pitchFamily="34" charset="-122"/>
+                <a:sym typeface="+mn-ea"/>
+              </a:rPr>
+              <a:t>import </a:t>
+            </a:r>
+            <a:r>
+              <a:rPr lang="zh-CN" altLang="en-US">
+                <a:effectLst>
+                  <a:outerShdw blurRad="38100" dist="25400" dir="5400000" algn="ctr" rotWithShape="0">
+                    <a:srgbClr val="6E747A">
+                      <a:alpha val="43000"/>
+                    </a:srgbClr>
+                  </a:outerShdw>
+                </a:effectLst>
+                <a:latin typeface="微软雅黑" panose="020B0503020204020204" pitchFamily="34" charset="-122"/>
+                <a:ea typeface="微软雅黑" panose="020B0503020204020204" pitchFamily="34" charset="-122"/>
+                <a:cs typeface="微软雅黑" panose="020B0503020204020204" pitchFamily="34" charset="-122"/>
+                <a:sym typeface="+mn-ea"/>
+              </a:rPr>
+              <a:t>引入，</a:t>
+            </a:r>
+            <a:r>
+              <a:rPr lang="en-US" altLang="zh-CN">
+                <a:effectLst>
+                  <a:outerShdw blurRad="38100" dist="25400" dir="5400000" algn="ctr" rotWithShape="0">
+                    <a:srgbClr val="6E747A">
+                      <a:alpha val="43000"/>
+                    </a:srgbClr>
+                  </a:outerShdw>
+                </a:effectLst>
+                <a:latin typeface="微软雅黑" panose="020B0503020204020204" pitchFamily="34" charset="-122"/>
+                <a:ea typeface="微软雅黑" panose="020B0503020204020204" pitchFamily="34" charset="-122"/>
+                <a:cs typeface="微软雅黑" panose="020B0503020204020204" pitchFamily="34" charset="-122"/>
+                <a:sym typeface="+mn-ea"/>
+              </a:rPr>
+              <a:t>turtle</a:t>
+            </a:r>
+            <a:r>
+              <a:rPr lang="zh-CN" altLang="en-US">
+                <a:effectLst>
+                  <a:outerShdw blurRad="38100" dist="25400" dir="5400000" algn="ctr" rotWithShape="0">
+                    <a:srgbClr val="6E747A">
+                      <a:alpha val="43000"/>
+                    </a:srgbClr>
+                  </a:outerShdw>
+                </a:effectLst>
+                <a:latin typeface="微软雅黑" panose="020B0503020204020204" pitchFamily="34" charset="-122"/>
+                <a:ea typeface="微软雅黑" panose="020B0503020204020204" pitchFamily="34" charset="-122"/>
+                <a:cs typeface="微软雅黑" panose="020B0503020204020204" pitchFamily="34" charset="-122"/>
+                <a:sym typeface="+mn-ea"/>
+              </a:rPr>
+              <a:t>海龟库</a:t>
+            </a:r>
+            <a:endParaRPr lang="en-US" altLang="zh-CN">
+              <a:solidFill>
+                <a:schemeClr val="tx1"/>
+              </a:solidFill>
+              <a:effectLst>
+                <a:outerShdw blurRad="38100" dist="25400" dir="5400000" algn="ctr" rotWithShape="0">
+                  <a:srgbClr val="6E747A">
+                    <a:alpha val="43000"/>
+                  </a:srgbClr>
+                </a:outerShdw>
+              </a:effectLst>
+              <a:latin typeface="微软雅黑" panose="020B0503020204020204" pitchFamily="34" charset="-122"/>
+              <a:ea typeface="微软雅黑" panose="020B0503020204020204" pitchFamily="34" charset="-122"/>
+              <a:cs typeface="微软雅黑" panose="020B0503020204020204" pitchFamily="34" charset="-122"/>
+              <a:sym typeface="+mn-ea"/>
+            </a:endParaRPr>
+          </a:p>
+          <a:p>
+            <a:pPr marL="0" indent="0" algn="l">
+              <a:lnSpc>
+                <a:spcPct val="200000"/>
+              </a:lnSpc>
+              <a:buFont typeface="Arial" panose="020B0604020202020204" pitchFamily="34" charset="0"/>
+              <a:buNone/>
+            </a:pPr>
+            <a:r>
+              <a:rPr lang="en-US" altLang="zh-CN">
+                <a:effectLst>
+                  <a:outerShdw blurRad="38100" dist="25400" dir="5400000" algn="ctr" rotWithShape="0">
+                    <a:srgbClr val="6E747A">
+                      <a:alpha val="43000"/>
+                    </a:srgbClr>
+                  </a:outerShdw>
+                </a:effectLst>
+                <a:latin typeface="微软雅黑" panose="020B0503020204020204" pitchFamily="34" charset="-122"/>
+                <a:ea typeface="微软雅黑" panose="020B0503020204020204" pitchFamily="34" charset="-122"/>
+                <a:cs typeface="微软雅黑" panose="020B0503020204020204" pitchFamily="34" charset="-122"/>
+                <a:sym typeface="+mn-ea"/>
+              </a:rPr>
+              <a:t>import turtle</a:t>
+            </a:r>
+            <a:endParaRPr>
+              <a:solidFill>
+                <a:schemeClr val="tx1"/>
+              </a:solidFill>
+              <a:effectLst>
+                <a:outerShdw blurRad="38100" dist="25400" dir="5400000" algn="ctr" rotWithShape="0">
+                  <a:srgbClr val="6E747A">
+                    <a:alpha val="43000"/>
+                  </a:srgbClr>
+                </a:outerShdw>
+              </a:effectLst>
+              <a:latin typeface="微软雅黑" panose="020B0503020204020204" pitchFamily="34" charset="-122"/>
+              <a:ea typeface="微软雅黑" panose="020B0503020204020204" pitchFamily="34" charset="-122"/>
+              <a:cs typeface="微软雅黑" panose="020B0503020204020204" pitchFamily="34" charset="-122"/>
+              <a:sym typeface="+mn-ea"/>
+            </a:endParaRPr>
+          </a:p>
+          <a:p>
+            <a:pPr marL="0" indent="0" algn="l">
+              <a:lnSpc>
+                <a:spcPct val="200000"/>
+              </a:lnSpc>
+              <a:buFont typeface="Arial" panose="020B0604020202020204" pitchFamily="34" charset="0"/>
+              <a:buNone/>
+            </a:pPr>
+            <a:r>
+              <a:rPr>
+                <a:effectLst>
+                  <a:outerShdw blurRad="38100" dist="25400" dir="5400000" algn="ctr" rotWithShape="0">
+                    <a:srgbClr val="6E747A">
+                      <a:alpha val="43000"/>
+                    </a:srgbClr>
+                  </a:outerShdw>
+                </a:effectLst>
+                <a:latin typeface="微软雅黑" panose="020B0503020204020204" pitchFamily="34" charset="-122"/>
+                <a:ea typeface="微软雅黑" panose="020B0503020204020204" pitchFamily="34" charset="-122"/>
+                <a:cs typeface="微软雅黑" panose="020B0503020204020204" pitchFamily="34" charset="-122"/>
+                <a:sym typeface="+mn-ea"/>
+              </a:rPr>
+              <a:t>#把海龟改为熊猫</a:t>
+            </a:r>
+            <a:endParaRPr>
+              <a:solidFill>
+                <a:schemeClr val="tx1"/>
+              </a:solidFill>
+              <a:effectLst>
+                <a:outerShdw blurRad="38100" dist="25400" dir="5400000" algn="ctr" rotWithShape="0">
+                  <a:srgbClr val="6E747A">
+                    <a:alpha val="43000"/>
+                  </a:srgbClr>
+                </a:outerShdw>
+              </a:effectLst>
+              <a:latin typeface="微软雅黑" panose="020B0503020204020204" pitchFamily="34" charset="-122"/>
+              <a:ea typeface="微软雅黑" panose="020B0503020204020204" pitchFamily="34" charset="-122"/>
+              <a:cs typeface="微软雅黑" panose="020B0503020204020204" pitchFamily="34" charset="-122"/>
+              <a:sym typeface="+mn-ea"/>
+            </a:endParaRPr>
+          </a:p>
+          <a:p>
+            <a:pPr marL="0" indent="0" algn="l">
+              <a:lnSpc>
+                <a:spcPct val="200000"/>
+              </a:lnSpc>
+              <a:buFont typeface="Arial" panose="020B0604020202020204" pitchFamily="34" charset="0"/>
+              <a:buNone/>
+            </a:pPr>
+            <a:r>
+              <a:rPr>
+                <a:effectLst>
+                  <a:outerShdw blurRad="38100" dist="25400" dir="5400000" algn="ctr" rotWithShape="0">
+                    <a:srgbClr val="6E747A">
+                      <a:alpha val="43000"/>
+                    </a:srgbClr>
+                  </a:outerShdw>
+                </a:effectLst>
+                <a:latin typeface="微软雅黑" panose="020B0503020204020204" pitchFamily="34" charset="-122"/>
+                <a:ea typeface="微软雅黑" panose="020B0503020204020204" pitchFamily="34" charset="-122"/>
+                <a:cs typeface="微软雅黑" panose="020B0503020204020204" pitchFamily="34" charset="-122"/>
+                <a:sym typeface="+mn-ea"/>
+              </a:rPr>
+              <a:t>turtle.register_shape('panda.gif')</a:t>
+            </a:r>
+            <a:endParaRPr>
+              <a:solidFill>
+                <a:schemeClr val="tx1"/>
+              </a:solidFill>
+              <a:effectLst>
+                <a:outerShdw blurRad="38100" dist="25400" dir="5400000" algn="ctr" rotWithShape="0">
+                  <a:srgbClr val="6E747A">
+                    <a:alpha val="43000"/>
+                  </a:srgbClr>
+                </a:outerShdw>
+              </a:effectLst>
+              <a:latin typeface="微软雅黑" panose="020B0503020204020204" pitchFamily="34" charset="-122"/>
+              <a:ea typeface="微软雅黑" panose="020B0503020204020204" pitchFamily="34" charset="-122"/>
+              <a:cs typeface="微软雅黑" panose="020B0503020204020204" pitchFamily="34" charset="-122"/>
+              <a:sym typeface="+mn-ea"/>
+            </a:endParaRPr>
+          </a:p>
+          <a:p>
+            <a:pPr marL="0" indent="0" algn="l">
+              <a:lnSpc>
+                <a:spcPct val="200000"/>
+              </a:lnSpc>
+              <a:buFont typeface="Arial" panose="020B0604020202020204" pitchFamily="34" charset="0"/>
+              <a:buNone/>
+            </a:pPr>
+            <a:r>
+              <a:rPr>
+                <a:effectLst>
+                  <a:outerShdw blurRad="38100" dist="25400" dir="5400000" algn="ctr" rotWithShape="0">
+                    <a:srgbClr val="6E747A">
+                      <a:alpha val="43000"/>
+                    </a:srgbClr>
+                  </a:outerShdw>
+                </a:effectLst>
+                <a:latin typeface="微软雅黑" panose="020B0503020204020204" pitchFamily="34" charset="-122"/>
+                <a:ea typeface="微软雅黑" panose="020B0503020204020204" pitchFamily="34" charset="-122"/>
+                <a:cs typeface="微软雅黑" panose="020B0503020204020204" pitchFamily="34" charset="-122"/>
+                <a:sym typeface="+mn-ea"/>
+              </a:rPr>
+              <a:t>turtle.shape('panda.gif')</a:t>
+            </a:r>
+            <a:endParaRPr>
+              <a:solidFill>
+                <a:schemeClr val="tx1"/>
+              </a:solidFill>
+              <a:effectLst>
+                <a:outerShdw blurRad="38100" dist="25400" dir="5400000" algn="ctr" rotWithShape="0">
+                  <a:srgbClr val="6E747A">
+                    <a:alpha val="43000"/>
+                  </a:srgbClr>
+                </a:outerShdw>
+              </a:effectLst>
+              <a:latin typeface="微软雅黑" panose="020B0503020204020204" pitchFamily="34" charset="-122"/>
+              <a:ea typeface="微软雅黑" panose="020B0503020204020204" pitchFamily="34" charset="-122"/>
+              <a:cs typeface="微软雅黑" panose="020B0503020204020204" pitchFamily="34" charset="-122"/>
+              <a:sym typeface="+mn-ea"/>
+            </a:endParaRPr>
+          </a:p>
+          <a:p>
+            <a:pPr marL="0" indent="0" algn="l">
+              <a:lnSpc>
+                <a:spcPct val="200000"/>
+              </a:lnSpc>
+              <a:buFont typeface="Arial" panose="020B0604020202020204" pitchFamily="34" charset="0"/>
+              <a:buNone/>
+            </a:pPr>
+            <a:r>
+              <a:rPr lang="en-US">
+                <a:effectLst>
+                  <a:outerShdw blurRad="38100" dist="25400" dir="5400000" algn="ctr" rotWithShape="0">
+                    <a:srgbClr val="6E747A">
+                      <a:alpha val="43000"/>
+                    </a:srgbClr>
+                  </a:outerShdw>
+                </a:effectLst>
+                <a:latin typeface="微软雅黑" panose="020B0503020204020204" pitchFamily="34" charset="-122"/>
+                <a:ea typeface="微软雅黑" panose="020B0503020204020204" pitchFamily="34" charset="-122"/>
+                <a:cs typeface="微软雅黑" panose="020B0503020204020204" pitchFamily="34" charset="-122"/>
+                <a:sym typeface="+mn-ea"/>
+              </a:rPr>
+              <a:t>#</a:t>
+            </a:r>
+            <a:r>
+              <a:rPr lang="zh-CN" altLang="en-US">
+                <a:effectLst>
+                  <a:outerShdw blurRad="38100" dist="25400" dir="5400000" algn="ctr" rotWithShape="0">
+                    <a:srgbClr val="6E747A">
+                      <a:alpha val="43000"/>
+                    </a:srgbClr>
+                  </a:outerShdw>
+                </a:effectLst>
+                <a:latin typeface="微软雅黑" panose="020B0503020204020204" pitchFamily="34" charset="-122"/>
+                <a:ea typeface="微软雅黑" panose="020B0503020204020204" pitchFamily="34" charset="-122"/>
+                <a:cs typeface="微软雅黑" panose="020B0503020204020204" pitchFamily="34" charset="-122"/>
+                <a:sym typeface="+mn-ea"/>
+              </a:rPr>
+              <a:t>移动到坐标为</a:t>
+            </a:r>
+            <a:r>
+              <a:rPr lang="en-US" altLang="zh-CN">
+                <a:effectLst>
+                  <a:outerShdw blurRad="38100" dist="25400" dir="5400000" algn="ctr" rotWithShape="0">
+                    <a:srgbClr val="6E747A">
+                      <a:alpha val="43000"/>
+                    </a:srgbClr>
+                  </a:outerShdw>
+                </a:effectLst>
+                <a:latin typeface="微软雅黑" panose="020B0503020204020204" pitchFamily="34" charset="-122"/>
+                <a:ea typeface="微软雅黑" panose="020B0503020204020204" pitchFamily="34" charset="-122"/>
+                <a:cs typeface="微软雅黑" panose="020B0503020204020204" pitchFamily="34" charset="-122"/>
+                <a:sym typeface="+mn-ea"/>
+              </a:rPr>
+              <a:t>(100,100)</a:t>
+            </a:r>
+            <a:r>
+              <a:rPr lang="zh-CN" altLang="en-US">
+                <a:effectLst>
+                  <a:outerShdw blurRad="38100" dist="25400" dir="5400000" algn="ctr" rotWithShape="0">
+                    <a:srgbClr val="6E747A">
+                      <a:alpha val="43000"/>
+                    </a:srgbClr>
+                  </a:outerShdw>
+                </a:effectLst>
+                <a:latin typeface="微软雅黑" panose="020B0503020204020204" pitchFamily="34" charset="-122"/>
+                <a:ea typeface="微软雅黑" panose="020B0503020204020204" pitchFamily="34" charset="-122"/>
+                <a:cs typeface="微软雅黑" panose="020B0503020204020204" pitchFamily="34" charset="-122"/>
+                <a:sym typeface="+mn-ea"/>
+              </a:rPr>
+              <a:t>的位置</a:t>
+            </a:r>
+            <a:endParaRPr lang="en-US">
+              <a:solidFill>
+                <a:schemeClr val="tx1"/>
+              </a:solidFill>
+              <a:effectLst>
+                <a:outerShdw blurRad="38100" dist="25400" dir="5400000" algn="ctr" rotWithShape="0">
+                  <a:srgbClr val="6E747A">
+                    <a:alpha val="43000"/>
+                  </a:srgbClr>
+                </a:outerShdw>
+              </a:effectLst>
+              <a:latin typeface="微软雅黑" panose="020B0503020204020204" pitchFamily="34" charset="-122"/>
+              <a:ea typeface="微软雅黑" panose="020B0503020204020204" pitchFamily="34" charset="-122"/>
+              <a:cs typeface="微软雅黑" panose="020B0503020204020204" pitchFamily="34" charset="-122"/>
+              <a:sym typeface="+mn-ea"/>
+            </a:endParaRPr>
+          </a:p>
+          <a:p>
+            <a:pPr marL="0" indent="0" algn="l">
+              <a:lnSpc>
+                <a:spcPct val="200000"/>
+              </a:lnSpc>
+              <a:buFont typeface="Arial" panose="020B0604020202020204" pitchFamily="34" charset="0"/>
+              <a:buNone/>
+            </a:pPr>
+            <a:r>
+              <a:rPr>
+                <a:effectLst>
+                  <a:outerShdw blurRad="38100" dist="25400" dir="5400000" algn="ctr" rotWithShape="0">
+                    <a:srgbClr val="6E747A">
+                      <a:alpha val="43000"/>
+                    </a:srgbClr>
+                  </a:outerShdw>
+                </a:effectLst>
+                <a:latin typeface="微软雅黑" panose="020B0503020204020204" pitchFamily="34" charset="-122"/>
+                <a:ea typeface="微软雅黑" panose="020B0503020204020204" pitchFamily="34" charset="-122"/>
+                <a:cs typeface="微软雅黑" panose="020B0503020204020204" pitchFamily="34" charset="-122"/>
+                <a:sym typeface="+mn-ea"/>
+              </a:rPr>
+              <a:t>turtle.goto(100,100)</a:t>
             </a:r>
             <a:endParaRPr lang="zh-CN" altLang="en-US"/>
           </a:p>
@@ -4975,7 +5055,7 @@
             <a:r>
               <a:rPr lang="zh-CN" sz="2000">
                 <a:solidFill>
-                  <a:srgbClr val="0070C0"/>
+                  <a:schemeClr val="tx1"/>
                 </a:solidFill>
                 <a:effectLst>
                   <a:outerShdw blurRad="38100" dist="25400" dir="5400000" algn="ctr" rotWithShape="0">
@@ -4994,7 +5074,7 @@
             <a:r>
               <a:rPr lang="en-US" altLang="zh-CN" sz="2000">
                 <a:solidFill>
-                  <a:srgbClr val="0070C0"/>
+                  <a:schemeClr val="tx1"/>
                 </a:solidFill>
                 <a:effectLst>
                   <a:outerShdw blurRad="38100" dist="25400" dir="5400000" algn="ctr" rotWithShape="0">
@@ -5013,7 +5093,7 @@
             <a:r>
               <a:rPr lang="zh-CN" altLang="en-US" sz="2000">
                 <a:solidFill>
-                  <a:srgbClr val="0070C0"/>
+                  <a:schemeClr val="tx1"/>
                 </a:solidFill>
                 <a:effectLst>
                   <a:outerShdw blurRad="38100" dist="25400" dir="5400000" algn="ctr" rotWithShape="0">
@@ -5032,7 +5112,7 @@
             <a:r>
               <a:rPr lang="en-US" altLang="zh-CN" sz="2000">
                 <a:solidFill>
-                  <a:srgbClr val="0070C0"/>
+                  <a:schemeClr val="tx1"/>
                 </a:solidFill>
                 <a:effectLst>
                   <a:outerShdw blurRad="38100" dist="25400" dir="5400000" algn="ctr" rotWithShape="0">
@@ -5051,7 +5131,7 @@
             <a:r>
               <a:rPr lang="zh-CN" altLang="en-US" sz="2000">
                 <a:solidFill>
-                  <a:srgbClr val="0070C0"/>
+                  <a:schemeClr val="tx1"/>
                 </a:solidFill>
                 <a:effectLst>
                   <a:outerShdw blurRad="38100" dist="25400" dir="5400000" algn="ctr" rotWithShape="0">
@@ -5070,7 +5150,7 @@
             <a:r>
               <a:rPr lang="en-US" altLang="zh-CN" sz="2000">
                 <a:solidFill>
-                  <a:srgbClr val="0070C0"/>
+                  <a:schemeClr val="tx1"/>
                 </a:solidFill>
                 <a:effectLst>
                   <a:outerShdw blurRad="38100" dist="25400" dir="5400000" algn="ctr" rotWithShape="0">
@@ -5089,7 +5169,7 @@
             <a:r>
               <a:rPr lang="zh-CN" altLang="en-US" sz="2000">
                 <a:solidFill>
-                  <a:srgbClr val="0070C0"/>
+                  <a:schemeClr val="tx1"/>
                 </a:solidFill>
                 <a:effectLst>
                   <a:outerShdw blurRad="38100" dist="25400" dir="5400000" algn="ctr" rotWithShape="0">
@@ -5107,7 +5187,7 @@
             </a:r>
             <a:endParaRPr lang="en-US" altLang="zh-CN" sz="2000">
               <a:solidFill>
-                <a:srgbClr val="0070C0"/>
+                <a:schemeClr val="tx1"/>
               </a:solidFill>
               <a:effectLst>
                 <a:outerShdw blurRad="38100" dist="25400" dir="5400000" algn="ctr" rotWithShape="0">
@@ -5133,7 +5213,7 @@
             <a:r>
               <a:rPr lang="zh-CN" sz="2000">
                 <a:solidFill>
-                  <a:srgbClr val="0070C0"/>
+                  <a:schemeClr val="tx1"/>
                 </a:solidFill>
                 <a:effectLst>
                   <a:outerShdw blurRad="38100" dist="25400" dir="5400000" algn="ctr" rotWithShape="0">
@@ -5152,7 +5232,7 @@
             <a:r>
               <a:rPr lang="en-US" altLang="zh-CN" sz="2000">
                 <a:solidFill>
-                  <a:srgbClr val="0070C0"/>
+                  <a:schemeClr val="tx1"/>
                 </a:solidFill>
                 <a:effectLst>
                   <a:outerShdw blurRad="38100" dist="25400" dir="5400000" algn="ctr" rotWithShape="0">
@@ -5171,7 +5251,7 @@
             <a:r>
               <a:rPr lang="zh-CN" altLang="en-US" sz="2000">
                 <a:solidFill>
-                  <a:srgbClr val="0070C0"/>
+                  <a:schemeClr val="tx1"/>
                 </a:solidFill>
                 <a:effectLst>
                   <a:outerShdw blurRad="38100" dist="25400" dir="5400000" algn="ctr" rotWithShape="0">
@@ -5190,7 +5270,7 @@
             <a:r>
               <a:rPr lang="zh-CN" sz="2000">
                 <a:solidFill>
-                  <a:srgbClr val="0070C0"/>
+                  <a:schemeClr val="tx1"/>
                 </a:solidFill>
                 <a:effectLst>
                   <a:outerShdw blurRad="38100" dist="25400" dir="5400000" algn="ctr" rotWithShape="0">
@@ -5209,7 +5289,7 @@
             <a:r>
               <a:rPr lang="zh-CN" altLang="en-US" sz="2000">
                 <a:solidFill>
-                  <a:srgbClr val="0070C0"/>
+                  <a:schemeClr val="tx1"/>
                 </a:solidFill>
                 <a:effectLst>
                   <a:outerShdw blurRad="38100" dist="25400" dir="5400000" algn="ctr" rotWithShape="0">
@@ -5228,7 +5308,7 @@
             <a:r>
               <a:rPr lang="en-US" altLang="zh-CN" sz="2000">
                 <a:solidFill>
-                  <a:srgbClr val="0070C0"/>
+                  <a:schemeClr val="tx1"/>
                 </a:solidFill>
                 <a:effectLst>
                   <a:outerShdw blurRad="38100" dist="25400" dir="5400000" algn="ctr" rotWithShape="0">
@@ -5247,7 +5327,7 @@
             <a:r>
               <a:rPr lang="zh-CN" altLang="en-US" sz="2000">
                 <a:solidFill>
-                  <a:srgbClr val="0070C0"/>
+                  <a:schemeClr val="tx1"/>
                 </a:solidFill>
                 <a:effectLst>
                   <a:outerShdw blurRad="38100" dist="25400" dir="5400000" algn="ctr" rotWithShape="0">
@@ -5265,7 +5345,7 @@
             </a:r>
             <a:endParaRPr lang="zh-CN" altLang="en-US" sz="2000">
               <a:solidFill>
-                <a:srgbClr val="0070C0"/>
+                <a:schemeClr val="tx1"/>
               </a:solidFill>
               <a:effectLst>
                 <a:outerShdw blurRad="38100" dist="25400" dir="5400000" algn="ctr" rotWithShape="0">
@@ -5291,7 +5371,7 @@
             <a:r>
               <a:rPr lang="zh-CN" sz="2000">
                 <a:solidFill>
-                  <a:srgbClr val="0070C0"/>
+                  <a:schemeClr val="tx1"/>
                 </a:solidFill>
                 <a:effectLst>
                   <a:outerShdw blurRad="38100" dist="25400" dir="5400000" algn="ctr" rotWithShape="0">
@@ -5310,7 +5390,7 @@
             <a:r>
               <a:rPr lang="en-US" altLang="zh-CN" sz="2000">
                 <a:solidFill>
-                  <a:srgbClr val="0070C0"/>
+                  <a:schemeClr val="tx1"/>
                 </a:solidFill>
                 <a:effectLst>
                   <a:outerShdw blurRad="38100" dist="25400" dir="5400000" algn="ctr" rotWithShape="0">
@@ -5329,7 +5409,7 @@
             <a:r>
               <a:rPr lang="zh-CN" altLang="en-US" sz="2000">
                 <a:solidFill>
-                  <a:srgbClr val="0070C0"/>
+                  <a:schemeClr val="tx1"/>
                 </a:solidFill>
                 <a:effectLst>
                   <a:outerShdw blurRad="38100" dist="25400" dir="5400000" algn="ctr" rotWithShape="0">
@@ -5343,12 +5423,12 @@
                 <a:cs typeface="微软雅黑" panose="020B0503020204020204" pitchFamily="34" charset="-122"/>
                 <a:sym typeface="+mn-ea"/>
               </a:rPr>
-              <a:t>的坐标增加</a:t>
-            </a:r>
-            <a:r>
-              <a:rPr lang="zh-CN" altLang="en-US" sz="2000">
-                <a:solidFill>
-                  <a:srgbClr val="0070C0"/>
+              <a:t>的坐标增加，</a:t>
+            </a:r>
+            <a:r>
+              <a:rPr lang="zh-CN" sz="2000">
+                <a:solidFill>
+                  <a:schemeClr val="tx1"/>
                 </a:solidFill>
                 <a:effectLst>
                   <a:outerShdw blurRad="38100" dist="25400" dir="5400000" algn="ctr" rotWithShape="0">
@@ -5362,12 +5442,12 @@
                 <a:cs typeface="微软雅黑" panose="020B0503020204020204" pitchFamily="34" charset="-122"/>
                 <a:sym typeface="+mn-ea"/>
               </a:rPr>
-              <a:t>，</a:t>
-            </a:r>
-            <a:r>
-              <a:rPr lang="zh-CN" sz="2000">
-                <a:solidFill>
-                  <a:srgbClr val="0070C0"/>
+              <a:t>向</a:t>
+            </a:r>
+            <a:r>
+              <a:rPr lang="zh-CN" altLang="en-US" sz="2000">
+                <a:solidFill>
+                  <a:schemeClr val="tx1"/>
                 </a:solidFill>
                 <a:effectLst>
                   <a:outerShdw blurRad="38100" dist="25400" dir="5400000" algn="ctr" rotWithShape="0">
@@ -5381,12 +5461,12 @@
                 <a:cs typeface="微软雅黑" panose="020B0503020204020204" pitchFamily="34" charset="-122"/>
                 <a:sym typeface="+mn-ea"/>
               </a:rPr>
-              <a:t>向</a:t>
-            </a:r>
-            <a:r>
-              <a:rPr lang="zh-CN" altLang="en-US" sz="2000">
-                <a:solidFill>
-                  <a:srgbClr val="0070C0"/>
+              <a:t>下走</a:t>
+            </a:r>
+            <a:r>
+              <a:rPr lang="en-US" altLang="zh-CN" sz="2000">
+                <a:solidFill>
+                  <a:schemeClr val="tx1"/>
                 </a:solidFill>
                 <a:effectLst>
                   <a:outerShdw blurRad="38100" dist="25400" dir="5400000" algn="ctr" rotWithShape="0">
@@ -5400,31 +5480,12 @@
                 <a:cs typeface="微软雅黑" panose="020B0503020204020204" pitchFamily="34" charset="-122"/>
                 <a:sym typeface="+mn-ea"/>
               </a:rPr>
-              <a:t>下走</a:t>
-            </a:r>
-            <a:r>
-              <a:rPr lang="en-US" altLang="zh-CN" sz="2000">
-                <a:solidFill>
-                  <a:srgbClr val="0070C0"/>
-                </a:solidFill>
-                <a:effectLst>
-                  <a:outerShdw blurRad="38100" dist="25400" dir="5400000" algn="ctr" rotWithShape="0">
-                    <a:srgbClr val="6E747A">
-                      <a:alpha val="43000"/>
-                    </a:srgbClr>
-                  </a:outerShdw>
-                </a:effectLst>
-                <a:latin typeface="微软雅黑" panose="020B0503020204020204" pitchFamily="34" charset="-122"/>
-                <a:ea typeface="微软雅黑" panose="020B0503020204020204" pitchFamily="34" charset="-122"/>
-                <a:cs typeface="微软雅黑" panose="020B0503020204020204" pitchFamily="34" charset="-122"/>
-                <a:sym typeface="+mn-ea"/>
-              </a:rPr>
               <a:t>y</a:t>
             </a:r>
             <a:r>
               <a:rPr lang="zh-CN" altLang="en-US" sz="2000">
                 <a:solidFill>
-                  <a:srgbClr val="0070C0"/>
+                  <a:schemeClr val="tx1"/>
                 </a:solidFill>
                 <a:effectLst>
                   <a:outerShdw blurRad="38100" dist="25400" dir="5400000" algn="ctr" rotWithShape="0">
@@ -5803,7 +5864,7 @@
         <p:spPr>
           <a:xfrm>
             <a:off x="4491355" y="1795145"/>
-            <a:ext cx="5650230" cy="2399665"/>
+            <a:ext cx="5650230" cy="1938020"/>
           </a:xfrm>
           <a:prstGeom prst="rect">
             <a:avLst/>
@@ -5828,18 +5889,6 @@
               </a:rPr>
               <a:t>**需求**</a:t>
             </a:r>
-            <a:endParaRPr lang="zh-CN" altLang="en-US" sz="2000">
-              <a:solidFill>
-                <a:schemeClr val="tx1"/>
-              </a:solidFill>
-            </a:endParaRPr>
-          </a:p>
-          <a:p>
-            <a:pPr>
-              <a:lnSpc>
-                <a:spcPct val="150000"/>
-              </a:lnSpc>
-            </a:pPr>
             <a:endParaRPr lang="zh-CN" altLang="en-US" sz="2000">
               <a:solidFill>
                 <a:schemeClr val="tx1"/>
@@ -6166,469 +6215,6 @@
           </a:p>
         </p:txBody>
       </p:sp>
-      <p:sp>
-        <p:nvSpPr>
-          <p:cNvPr id="4" name="文本框 3"/>
-          <p:cNvSpPr txBox="1"/>
-          <p:nvPr/>
-        </p:nvSpPr>
-        <p:spPr>
-          <a:xfrm>
-            <a:off x="1800000" y="1274220"/>
-            <a:ext cx="8989695" cy="4399915"/>
-          </a:xfrm>
-          <a:prstGeom prst="rect">
-            <a:avLst/>
-          </a:prstGeom>
-          <a:noFill/>
-        </p:spPr>
-        <p:txBody>
-          <a:bodyPr wrap="square" rtlCol="0" anchor="t">
-            <a:spAutoFit/>
-          </a:bodyPr>
-          <a:p>
-            <a:pPr marL="0" indent="0" algn="l">
-              <a:lnSpc>
-                <a:spcPct val="200000"/>
-              </a:lnSpc>
-              <a:buFont typeface="Arial" panose="020B0604020202020204" pitchFamily="34" charset="0"/>
-              <a:buNone/>
-            </a:pPr>
-            <a:r>
-              <a:rPr lang="en-US" altLang="zh-CN" sz="2000">
-                <a:solidFill>
-                  <a:srgbClr val="0070C0"/>
-                </a:solidFill>
-                <a:effectLst>
-                  <a:outerShdw blurRad="38100" dist="25400" dir="5400000" algn="ctr" rotWithShape="0">
-                    <a:srgbClr val="6E747A">
-                      <a:alpha val="43000"/>
-                    </a:srgbClr>
-                  </a:outerShdw>
-                </a:effectLst>
-                <a:latin typeface="微软雅黑" panose="020B0503020204020204" pitchFamily="34" charset="-122"/>
-                <a:ea typeface="微软雅黑" panose="020B0503020204020204" pitchFamily="34" charset="-122"/>
-                <a:cs typeface="微软雅黑" panose="020B0503020204020204" pitchFamily="34" charset="-122"/>
-                <a:sym typeface="+mn-ea"/>
-              </a:rPr>
-              <a:t>#</a:t>
-            </a:r>
-            <a:r>
-              <a:rPr lang="zh-CN" altLang="en-US" sz="2000">
-                <a:solidFill>
-                  <a:srgbClr val="0070C0"/>
-                </a:solidFill>
-                <a:effectLst>
-                  <a:outerShdw blurRad="38100" dist="25400" dir="5400000" algn="ctr" rotWithShape="0">
-                    <a:srgbClr val="6E747A">
-                      <a:alpha val="43000"/>
-                    </a:srgbClr>
-                  </a:outerShdw>
-                </a:effectLst>
-                <a:latin typeface="微软雅黑" panose="020B0503020204020204" pitchFamily="34" charset="-122"/>
-                <a:ea typeface="微软雅黑" panose="020B0503020204020204" pitchFamily="34" charset="-122"/>
-                <a:cs typeface="微软雅黑" panose="020B0503020204020204" pitchFamily="34" charset="-122"/>
-                <a:sym typeface="+mn-ea"/>
-              </a:rPr>
-              <a:t>引入海龟库，</a:t>
-            </a:r>
-            <a:r>
-              <a:rPr lang="en-US" altLang="zh-CN" sz="2000">
-                <a:solidFill>
-                  <a:srgbClr val="0070C0"/>
-                </a:solidFill>
-                <a:effectLst>
-                  <a:outerShdw blurRad="38100" dist="25400" dir="5400000" algn="ctr" rotWithShape="0">
-                    <a:srgbClr val="6E747A">
-                      <a:alpha val="43000"/>
-                    </a:srgbClr>
-                  </a:outerShdw>
-                </a:effectLst>
-                <a:latin typeface="微软雅黑" panose="020B0503020204020204" pitchFamily="34" charset="-122"/>
-                <a:ea typeface="微软雅黑" panose="020B0503020204020204" pitchFamily="34" charset="-122"/>
-                <a:cs typeface="微软雅黑" panose="020B0503020204020204" pitchFamily="34" charset="-122"/>
-                <a:sym typeface="+mn-ea"/>
-              </a:rPr>
-              <a:t>import </a:t>
-            </a:r>
-            <a:r>
-              <a:rPr lang="zh-CN" altLang="en-US" sz="2000">
-                <a:solidFill>
-                  <a:srgbClr val="0070C0"/>
-                </a:solidFill>
-                <a:effectLst>
-                  <a:outerShdw blurRad="38100" dist="25400" dir="5400000" algn="ctr" rotWithShape="0">
-                    <a:srgbClr val="6E747A">
-                      <a:alpha val="43000"/>
-                    </a:srgbClr>
-                  </a:outerShdw>
-                </a:effectLst>
-                <a:latin typeface="微软雅黑" panose="020B0503020204020204" pitchFamily="34" charset="-122"/>
-                <a:ea typeface="微软雅黑" panose="020B0503020204020204" pitchFamily="34" charset="-122"/>
-                <a:cs typeface="微软雅黑" panose="020B0503020204020204" pitchFamily="34" charset="-122"/>
-                <a:sym typeface="+mn-ea"/>
-              </a:rPr>
-              <a:t>引入，</a:t>
-            </a:r>
-            <a:r>
-              <a:rPr lang="en-US" altLang="zh-CN" sz="2000">
-                <a:solidFill>
-                  <a:srgbClr val="0070C0"/>
-                </a:solidFill>
-                <a:effectLst>
-                  <a:outerShdw blurRad="38100" dist="25400" dir="5400000" algn="ctr" rotWithShape="0">
-                    <a:srgbClr val="6E747A">
-                      <a:alpha val="43000"/>
-                    </a:srgbClr>
-                  </a:outerShdw>
-                </a:effectLst>
-                <a:latin typeface="微软雅黑" panose="020B0503020204020204" pitchFamily="34" charset="-122"/>
-                <a:ea typeface="微软雅黑" panose="020B0503020204020204" pitchFamily="34" charset="-122"/>
-                <a:cs typeface="微软雅黑" panose="020B0503020204020204" pitchFamily="34" charset="-122"/>
-                <a:sym typeface="+mn-ea"/>
-              </a:rPr>
-              <a:t>turtle</a:t>
-            </a:r>
-            <a:r>
-              <a:rPr lang="zh-CN" altLang="en-US" sz="2000">
-                <a:solidFill>
-                  <a:srgbClr val="0070C0"/>
-                </a:solidFill>
-                <a:effectLst>
-                  <a:outerShdw blurRad="38100" dist="25400" dir="5400000" algn="ctr" rotWithShape="0">
-                    <a:srgbClr val="6E747A">
-                      <a:alpha val="43000"/>
-                    </a:srgbClr>
-                  </a:outerShdw>
-                </a:effectLst>
-                <a:latin typeface="微软雅黑" panose="020B0503020204020204" pitchFamily="34" charset="-122"/>
-                <a:ea typeface="微软雅黑" panose="020B0503020204020204" pitchFamily="34" charset="-122"/>
-                <a:cs typeface="微软雅黑" panose="020B0503020204020204" pitchFamily="34" charset="-122"/>
-                <a:sym typeface="+mn-ea"/>
-              </a:rPr>
-              <a:t>海龟库</a:t>
-            </a:r>
-            <a:endParaRPr lang="en-US" altLang="zh-CN" sz="2000">
-              <a:solidFill>
-                <a:srgbClr val="0070C0"/>
-              </a:solidFill>
-              <a:effectLst>
-                <a:outerShdw blurRad="38100" dist="25400" dir="5400000" algn="ctr" rotWithShape="0">
-                  <a:srgbClr val="6E747A">
-                    <a:alpha val="43000"/>
-                  </a:srgbClr>
-                </a:outerShdw>
-              </a:effectLst>
-              <a:latin typeface="微软雅黑" panose="020B0503020204020204" pitchFamily="34" charset="-122"/>
-              <a:ea typeface="微软雅黑" panose="020B0503020204020204" pitchFamily="34" charset="-122"/>
-              <a:cs typeface="微软雅黑" panose="020B0503020204020204" pitchFamily="34" charset="-122"/>
-              <a:sym typeface="+mn-ea"/>
-            </a:endParaRPr>
-          </a:p>
-          <a:p>
-            <a:pPr marL="0" indent="0" algn="l">
-              <a:lnSpc>
-                <a:spcPct val="200000"/>
-              </a:lnSpc>
-              <a:buFont typeface="Arial" panose="020B0604020202020204" pitchFamily="34" charset="0"/>
-              <a:buNone/>
-            </a:pPr>
-            <a:r>
-              <a:rPr lang="en-US" altLang="zh-CN" sz="2000">
-                <a:solidFill>
-                  <a:srgbClr val="0070C0"/>
-                </a:solidFill>
-                <a:effectLst>
-                  <a:outerShdw blurRad="38100" dist="25400" dir="5400000" algn="ctr" rotWithShape="0">
-                    <a:srgbClr val="6E747A">
-                      <a:alpha val="43000"/>
-                    </a:srgbClr>
-                  </a:outerShdw>
-                </a:effectLst>
-                <a:latin typeface="微软雅黑" panose="020B0503020204020204" pitchFamily="34" charset="-122"/>
-                <a:ea typeface="微软雅黑" panose="020B0503020204020204" pitchFamily="34" charset="-122"/>
-                <a:cs typeface="微软雅黑" panose="020B0503020204020204" pitchFamily="34" charset="-122"/>
-                <a:sym typeface="+mn-ea"/>
-              </a:rPr>
-              <a:t>import turtle</a:t>
-            </a:r>
-            <a:endParaRPr sz="2000">
-              <a:solidFill>
-                <a:srgbClr val="0070C0"/>
-              </a:solidFill>
-              <a:effectLst>
-                <a:outerShdw blurRad="38100" dist="25400" dir="5400000" algn="ctr" rotWithShape="0">
-                  <a:srgbClr val="6E747A">
-                    <a:alpha val="43000"/>
-                  </a:srgbClr>
-                </a:outerShdw>
-              </a:effectLst>
-              <a:latin typeface="微软雅黑" panose="020B0503020204020204" pitchFamily="34" charset="-122"/>
-              <a:ea typeface="微软雅黑" panose="020B0503020204020204" pitchFamily="34" charset="-122"/>
-              <a:cs typeface="微软雅黑" panose="020B0503020204020204" pitchFamily="34" charset="-122"/>
-              <a:sym typeface="+mn-ea"/>
-            </a:endParaRPr>
-          </a:p>
-          <a:p>
-            <a:pPr marL="0" indent="0" algn="l">
-              <a:lnSpc>
-                <a:spcPct val="200000"/>
-              </a:lnSpc>
-              <a:buFont typeface="Arial" panose="020B0604020202020204" pitchFamily="34" charset="0"/>
-              <a:buNone/>
-            </a:pPr>
-            <a:r>
-              <a:rPr sz="2000">
-                <a:solidFill>
-                  <a:srgbClr val="0070C0"/>
-                </a:solidFill>
-                <a:effectLst>
-                  <a:outerShdw blurRad="38100" dist="25400" dir="5400000" algn="ctr" rotWithShape="0">
-                    <a:srgbClr val="6E747A">
-                      <a:alpha val="43000"/>
-                    </a:srgbClr>
-                  </a:outerShdw>
-                </a:effectLst>
-                <a:latin typeface="微软雅黑" panose="020B0503020204020204" pitchFamily="34" charset="-122"/>
-                <a:ea typeface="微软雅黑" panose="020B0503020204020204" pitchFamily="34" charset="-122"/>
-                <a:cs typeface="微软雅黑" panose="020B0503020204020204" pitchFamily="34" charset="-122"/>
-                <a:sym typeface="+mn-ea"/>
-              </a:rPr>
-              <a:t>#把海龟改为熊猫</a:t>
-            </a:r>
-            <a:endParaRPr sz="2000">
-              <a:solidFill>
-                <a:srgbClr val="0070C0"/>
-              </a:solidFill>
-              <a:effectLst>
-                <a:outerShdw blurRad="38100" dist="25400" dir="5400000" algn="ctr" rotWithShape="0">
-                  <a:srgbClr val="6E747A">
-                    <a:alpha val="43000"/>
-                  </a:srgbClr>
-                </a:outerShdw>
-              </a:effectLst>
-              <a:latin typeface="微软雅黑" panose="020B0503020204020204" pitchFamily="34" charset="-122"/>
-              <a:ea typeface="微软雅黑" panose="020B0503020204020204" pitchFamily="34" charset="-122"/>
-              <a:cs typeface="微软雅黑" panose="020B0503020204020204" pitchFamily="34" charset="-122"/>
-              <a:sym typeface="+mn-ea"/>
-            </a:endParaRPr>
-          </a:p>
-          <a:p>
-            <a:pPr marL="0" indent="0" algn="l">
-              <a:lnSpc>
-                <a:spcPct val="200000"/>
-              </a:lnSpc>
-              <a:buFont typeface="Arial" panose="020B0604020202020204" pitchFamily="34" charset="0"/>
-              <a:buNone/>
-            </a:pPr>
-            <a:r>
-              <a:rPr sz="2000">
-                <a:solidFill>
-                  <a:srgbClr val="0070C0"/>
-                </a:solidFill>
-                <a:effectLst>
-                  <a:outerShdw blurRad="38100" dist="25400" dir="5400000" algn="ctr" rotWithShape="0">
-                    <a:srgbClr val="6E747A">
-                      <a:alpha val="43000"/>
-                    </a:srgbClr>
-                  </a:outerShdw>
-                </a:effectLst>
-                <a:latin typeface="微软雅黑" panose="020B0503020204020204" pitchFamily="34" charset="-122"/>
-                <a:ea typeface="微软雅黑" panose="020B0503020204020204" pitchFamily="34" charset="-122"/>
-                <a:cs typeface="微软雅黑" panose="020B0503020204020204" pitchFamily="34" charset="-122"/>
-                <a:sym typeface="+mn-ea"/>
-              </a:rPr>
-              <a:t>turtle.register_shape('panda.gif')</a:t>
-            </a:r>
-            <a:endParaRPr sz="2000">
-              <a:solidFill>
-                <a:srgbClr val="0070C0"/>
-              </a:solidFill>
-              <a:effectLst>
-                <a:outerShdw blurRad="38100" dist="25400" dir="5400000" algn="ctr" rotWithShape="0">
-                  <a:srgbClr val="6E747A">
-                    <a:alpha val="43000"/>
-                  </a:srgbClr>
-                </a:outerShdw>
-              </a:effectLst>
-              <a:latin typeface="微软雅黑" panose="020B0503020204020204" pitchFamily="34" charset="-122"/>
-              <a:ea typeface="微软雅黑" panose="020B0503020204020204" pitchFamily="34" charset="-122"/>
-              <a:cs typeface="微软雅黑" panose="020B0503020204020204" pitchFamily="34" charset="-122"/>
-              <a:sym typeface="+mn-ea"/>
-            </a:endParaRPr>
-          </a:p>
-          <a:p>
-            <a:pPr marL="0" indent="0" algn="l">
-              <a:lnSpc>
-                <a:spcPct val="200000"/>
-              </a:lnSpc>
-              <a:buFont typeface="Arial" panose="020B0604020202020204" pitchFamily="34" charset="0"/>
-              <a:buNone/>
-            </a:pPr>
-            <a:r>
-              <a:rPr sz="2000">
-                <a:solidFill>
-                  <a:srgbClr val="0070C0"/>
-                </a:solidFill>
-                <a:effectLst>
-                  <a:outerShdw blurRad="38100" dist="25400" dir="5400000" algn="ctr" rotWithShape="0">
-                    <a:srgbClr val="6E747A">
-                      <a:alpha val="43000"/>
-                    </a:srgbClr>
-                  </a:outerShdw>
-                </a:effectLst>
-                <a:latin typeface="微软雅黑" panose="020B0503020204020204" pitchFamily="34" charset="-122"/>
-                <a:ea typeface="微软雅黑" panose="020B0503020204020204" pitchFamily="34" charset="-122"/>
-                <a:cs typeface="微软雅黑" panose="020B0503020204020204" pitchFamily="34" charset="-122"/>
-                <a:sym typeface="+mn-ea"/>
-              </a:rPr>
-              <a:t>turtle.shape('panda.gif')</a:t>
-            </a:r>
-            <a:endParaRPr sz="2000">
-              <a:solidFill>
-                <a:srgbClr val="0070C0"/>
-              </a:solidFill>
-              <a:effectLst>
-                <a:outerShdw blurRad="38100" dist="25400" dir="5400000" algn="ctr" rotWithShape="0">
-                  <a:srgbClr val="6E747A">
-                    <a:alpha val="43000"/>
-                  </a:srgbClr>
-                </a:outerShdw>
-              </a:effectLst>
-              <a:latin typeface="微软雅黑" panose="020B0503020204020204" pitchFamily="34" charset="-122"/>
-              <a:ea typeface="微软雅黑" panose="020B0503020204020204" pitchFamily="34" charset="-122"/>
-              <a:cs typeface="微软雅黑" panose="020B0503020204020204" pitchFamily="34" charset="-122"/>
-              <a:sym typeface="+mn-ea"/>
-            </a:endParaRPr>
-          </a:p>
-          <a:p>
-            <a:pPr marL="0" indent="0" algn="l">
-              <a:lnSpc>
-                <a:spcPct val="200000"/>
-              </a:lnSpc>
-              <a:buFont typeface="Arial" panose="020B0604020202020204" pitchFamily="34" charset="0"/>
-              <a:buNone/>
-            </a:pPr>
-            <a:r>
-              <a:rPr lang="en-US" sz="2000">
-                <a:solidFill>
-                  <a:srgbClr val="0070C0"/>
-                </a:solidFill>
-                <a:effectLst>
-                  <a:outerShdw blurRad="38100" dist="25400" dir="5400000" algn="ctr" rotWithShape="0">
-                    <a:srgbClr val="6E747A">
-                      <a:alpha val="43000"/>
-                    </a:srgbClr>
-                  </a:outerShdw>
-                </a:effectLst>
-                <a:latin typeface="微软雅黑" panose="020B0503020204020204" pitchFamily="34" charset="-122"/>
-                <a:ea typeface="微软雅黑" panose="020B0503020204020204" pitchFamily="34" charset="-122"/>
-                <a:cs typeface="微软雅黑" panose="020B0503020204020204" pitchFamily="34" charset="-122"/>
-                <a:sym typeface="+mn-ea"/>
-              </a:rPr>
-              <a:t>#</a:t>
-            </a:r>
-            <a:r>
-              <a:rPr lang="zh-CN" altLang="en-US" sz="2000">
-                <a:solidFill>
-                  <a:srgbClr val="0070C0"/>
-                </a:solidFill>
-                <a:effectLst>
-                  <a:outerShdw blurRad="38100" dist="25400" dir="5400000" algn="ctr" rotWithShape="0">
-                    <a:srgbClr val="6E747A">
-                      <a:alpha val="43000"/>
-                    </a:srgbClr>
-                  </a:outerShdw>
-                </a:effectLst>
-                <a:latin typeface="微软雅黑" panose="020B0503020204020204" pitchFamily="34" charset="-122"/>
-                <a:ea typeface="微软雅黑" panose="020B0503020204020204" pitchFamily="34" charset="-122"/>
-                <a:cs typeface="微软雅黑" panose="020B0503020204020204" pitchFamily="34" charset="-122"/>
-                <a:sym typeface="+mn-ea"/>
-              </a:rPr>
-              <a:t>绘制圆</a:t>
-            </a:r>
-            <a:endParaRPr lang="en-US" sz="2000">
-              <a:solidFill>
-                <a:srgbClr val="0070C0"/>
-              </a:solidFill>
-              <a:effectLst>
-                <a:outerShdw blurRad="38100" dist="25400" dir="5400000" algn="ctr" rotWithShape="0">
-                  <a:srgbClr val="6E747A">
-                    <a:alpha val="43000"/>
-                  </a:srgbClr>
-                </a:outerShdw>
-              </a:effectLst>
-              <a:latin typeface="微软雅黑" panose="020B0503020204020204" pitchFamily="34" charset="-122"/>
-              <a:ea typeface="微软雅黑" panose="020B0503020204020204" pitchFamily="34" charset="-122"/>
-              <a:cs typeface="微软雅黑" panose="020B0503020204020204" pitchFamily="34" charset="-122"/>
-              <a:sym typeface="+mn-ea"/>
-            </a:endParaRPr>
-          </a:p>
-          <a:p>
-            <a:pPr marL="0" indent="0" algn="l">
-              <a:lnSpc>
-                <a:spcPct val="200000"/>
-              </a:lnSpc>
-              <a:buFont typeface="Arial" panose="020B0604020202020204" pitchFamily="34" charset="0"/>
-              <a:buNone/>
-            </a:pPr>
-            <a:r>
-              <a:rPr sz="2000">
-                <a:solidFill>
-                  <a:srgbClr val="0070C0"/>
-                </a:solidFill>
-                <a:effectLst>
-                  <a:outerShdw blurRad="38100" dist="25400" dir="5400000" algn="ctr" rotWithShape="0">
-                    <a:srgbClr val="6E747A">
-                      <a:alpha val="43000"/>
-                    </a:srgbClr>
-                  </a:outerShdw>
-                </a:effectLst>
-                <a:latin typeface="微软雅黑" panose="020B0503020204020204" pitchFamily="34" charset="-122"/>
-                <a:ea typeface="微软雅黑" panose="020B0503020204020204" pitchFamily="34" charset="-122"/>
-                <a:cs typeface="微软雅黑" panose="020B0503020204020204" pitchFamily="34" charset="-122"/>
-                <a:sym typeface="+mn-ea"/>
-              </a:rPr>
-              <a:t>turtle.</a:t>
-            </a:r>
-            <a:r>
-              <a:rPr lang="en-US" sz="2000">
-                <a:solidFill>
-                  <a:srgbClr val="0070C0"/>
-                </a:solidFill>
-                <a:effectLst>
-                  <a:outerShdw blurRad="38100" dist="25400" dir="5400000" algn="ctr" rotWithShape="0">
-                    <a:srgbClr val="6E747A">
-                      <a:alpha val="43000"/>
-                    </a:srgbClr>
-                  </a:outerShdw>
-                </a:effectLst>
-                <a:latin typeface="微软雅黑" panose="020B0503020204020204" pitchFamily="34" charset="-122"/>
-                <a:ea typeface="微软雅黑" panose="020B0503020204020204" pitchFamily="34" charset="-122"/>
-                <a:cs typeface="微软雅黑" panose="020B0503020204020204" pitchFamily="34" charset="-122"/>
-                <a:sym typeface="+mn-ea"/>
-              </a:rPr>
-              <a:t>circle(100)</a:t>
-            </a:r>
-            <a:endParaRPr lang="en-US" sz="2000">
-              <a:solidFill>
-                <a:srgbClr val="0070C0"/>
-              </a:solidFill>
-              <a:effectLst>
-                <a:outerShdw blurRad="38100" dist="25400" dir="5400000" algn="ctr" rotWithShape="0">
-                  <a:srgbClr val="6E747A">
-                    <a:alpha val="43000"/>
-                  </a:srgbClr>
-                </a:outerShdw>
-              </a:effectLst>
-              <a:latin typeface="微软雅黑" panose="020B0503020204020204" pitchFamily="34" charset="-122"/>
-              <a:ea typeface="微软雅黑" panose="020B0503020204020204" pitchFamily="34" charset="-122"/>
-              <a:cs typeface="微软雅黑" panose="020B0503020204020204" pitchFamily="34" charset="-122"/>
-              <a:sym typeface="+mn-ea"/>
-            </a:endParaRPr>
-          </a:p>
-        </p:txBody>
-      </p:sp>
       <p:pic>
         <p:nvPicPr>
           <p:cNvPr id="12" name="图片 11" descr="C:\Users\Administrator\Desktop\机器人图片\图片1.png图片1"/>
@@ -6670,13 +6256,13 @@
       </p:pic>
       <p:sp>
         <p:nvSpPr>
-          <p:cNvPr id="2" name="文本框 1"/>
+          <p:cNvPr id="3" name="文本框 2"/>
           <p:cNvSpPr txBox="1"/>
           <p:nvPr/>
         </p:nvSpPr>
         <p:spPr>
           <a:xfrm>
-            <a:off x="1800000" y="1080000"/>
+            <a:off x="1440000" y="1440000"/>
             <a:ext cx="3140710" cy="368300"/>
           </a:xfrm>
           <a:prstGeom prst="rect">
@@ -6695,8 +6281,514 @@
             </a:pPr>
             <a:r>
               <a:rPr lang="zh-CN" altLang="en-US"/>
+              <a:t>绘制熊猫</a:t>
+            </a:r>
+            <a:endParaRPr lang="zh-CN" altLang="en-US"/>
+          </a:p>
+        </p:txBody>
+      </p:sp>
+      <p:sp>
+        <p:nvSpPr>
+          <p:cNvPr id="6" name="文本框 5"/>
+          <p:cNvSpPr txBox="1"/>
+          <p:nvPr/>
+        </p:nvSpPr>
+        <p:spPr>
+          <a:xfrm>
+            <a:off x="2880000" y="1080000"/>
+            <a:ext cx="5764530" cy="4799965"/>
+          </a:xfrm>
+          <a:prstGeom prst="rect">
+            <a:avLst/>
+          </a:prstGeom>
+          <a:noFill/>
+        </p:spPr>
+        <p:txBody>
+          <a:bodyPr wrap="square" rtlCol="0">
+            <a:spAutoFit/>
+          </a:bodyPr>
+          <a:p>
+            <a:pPr marL="0" indent="0" algn="l">
+              <a:lnSpc>
+                <a:spcPct val="200000"/>
+              </a:lnSpc>
+              <a:buFont typeface="Arial" panose="020B0604020202020204" pitchFamily="34" charset="0"/>
+              <a:buNone/>
+            </a:pPr>
+            <a:r>
+              <a:rPr lang="zh-CN" altLang="en-US">
+                <a:solidFill>
+                  <a:srgbClr val="FF0000"/>
+                </a:solidFill>
+                <a:effectLst>
+                  <a:outerShdw blurRad="38100" dist="25400" dir="5400000" algn="ctr" rotWithShape="0">
+                    <a:srgbClr val="6E747A">
+                      <a:alpha val="43000"/>
+                    </a:srgbClr>
+                  </a:outerShdw>
+                </a:effectLst>
+                <a:latin typeface="微软雅黑" panose="020B0503020204020204" pitchFamily="34" charset="-122"/>
+                <a:ea typeface="微软雅黑" panose="020B0503020204020204" pitchFamily="34" charset="-122"/>
+                <a:cs typeface="微软雅黑" panose="020B0503020204020204" pitchFamily="34" charset="-122"/>
+                <a:sym typeface="+mn-ea"/>
+              </a:rPr>
+              <a:t>例</a:t>
+            </a:r>
+            <a:r>
+              <a:rPr lang="en-US" altLang="zh-CN">
+                <a:solidFill>
+                  <a:srgbClr val="FF0000"/>
+                </a:solidFill>
+                <a:effectLst>
+                  <a:outerShdw blurRad="38100" dist="25400" dir="5400000" algn="ctr" rotWithShape="0">
+                    <a:srgbClr val="6E747A">
+                      <a:alpha val="43000"/>
+                    </a:srgbClr>
+                  </a:outerShdw>
+                </a:effectLst>
+                <a:latin typeface="微软雅黑" panose="020B0503020204020204" pitchFamily="34" charset="-122"/>
+                <a:ea typeface="微软雅黑" panose="020B0503020204020204" pitchFamily="34" charset="-122"/>
+                <a:cs typeface="微软雅黑" panose="020B0503020204020204" pitchFamily="34" charset="-122"/>
+                <a:sym typeface="+mn-ea"/>
+              </a:rPr>
+              <a:t>5</a:t>
+            </a:r>
+            <a:r>
+              <a:rPr lang="zh-CN" altLang="en-US">
+                <a:solidFill>
+                  <a:srgbClr val="FF0000"/>
+                </a:solidFill>
+                <a:effectLst>
+                  <a:outerShdw blurRad="38100" dist="25400" dir="5400000" algn="ctr" rotWithShape="0">
+                    <a:srgbClr val="6E747A">
+                      <a:alpha val="43000"/>
+                    </a:srgbClr>
+                  </a:outerShdw>
+                </a:effectLst>
+                <a:latin typeface="微软雅黑" panose="020B0503020204020204" pitchFamily="34" charset="-122"/>
+                <a:ea typeface="微软雅黑" panose="020B0503020204020204" pitchFamily="34" charset="-122"/>
+                <a:cs typeface="微软雅黑" panose="020B0503020204020204" pitchFamily="34" charset="-122"/>
+                <a:sym typeface="+mn-ea"/>
+              </a:rPr>
+              <a:t>：</a:t>
+            </a:r>
+            <a:endParaRPr lang="zh-CN" altLang="en-US">
+              <a:solidFill>
+                <a:srgbClr val="FF0000"/>
+              </a:solidFill>
+              <a:effectLst>
+                <a:outerShdw blurRad="38100" dist="25400" dir="5400000" algn="ctr" rotWithShape="0">
+                  <a:srgbClr val="6E747A">
+                    <a:alpha val="43000"/>
+                  </a:srgbClr>
+                </a:outerShdw>
+              </a:effectLst>
+              <a:latin typeface="微软雅黑" panose="020B0503020204020204" pitchFamily="34" charset="-122"/>
+              <a:ea typeface="微软雅黑" panose="020B0503020204020204" pitchFamily="34" charset="-122"/>
+              <a:cs typeface="微软雅黑" panose="020B0503020204020204" pitchFamily="34" charset="-122"/>
+              <a:sym typeface="+mn-ea"/>
+            </a:endParaRPr>
+          </a:p>
+          <a:p>
+            <a:pPr marL="0" indent="0" algn="l">
+              <a:lnSpc>
+                <a:spcPct val="200000"/>
+              </a:lnSpc>
+              <a:buFont typeface="Arial" panose="020B0604020202020204" pitchFamily="34" charset="0"/>
+              <a:buNone/>
+            </a:pPr>
+            <a:r>
+              <a:rPr lang="en-US" altLang="zh-CN">
+                <a:effectLst>
+                  <a:outerShdw blurRad="38100" dist="25400" dir="5400000" algn="ctr" rotWithShape="0">
+                    <a:srgbClr val="6E747A">
+                      <a:alpha val="43000"/>
+                    </a:srgbClr>
+                  </a:outerShdw>
+                </a:effectLst>
+                <a:latin typeface="微软雅黑" panose="020B0503020204020204" pitchFamily="34" charset="-122"/>
+                <a:ea typeface="微软雅黑" panose="020B0503020204020204" pitchFamily="34" charset="-122"/>
+                <a:cs typeface="微软雅黑" panose="020B0503020204020204" pitchFamily="34" charset="-122"/>
+                <a:sym typeface="+mn-ea"/>
+              </a:rPr>
+              <a:t>#</a:t>
+            </a:r>
+            <a:r>
+              <a:rPr lang="zh-CN" altLang="en-US">
+                <a:effectLst>
+                  <a:outerShdw blurRad="38100" dist="25400" dir="5400000" algn="ctr" rotWithShape="0">
+                    <a:srgbClr val="6E747A">
+                      <a:alpha val="43000"/>
+                    </a:srgbClr>
+                  </a:outerShdw>
+                </a:effectLst>
+                <a:latin typeface="微软雅黑" panose="020B0503020204020204" pitchFamily="34" charset="-122"/>
+                <a:ea typeface="微软雅黑" panose="020B0503020204020204" pitchFamily="34" charset="-122"/>
+                <a:cs typeface="微软雅黑" panose="020B0503020204020204" pitchFamily="34" charset="-122"/>
+                <a:sym typeface="+mn-ea"/>
+              </a:rPr>
+              <a:t>引入海龟库，</a:t>
+            </a:r>
+            <a:r>
+              <a:rPr lang="en-US" altLang="zh-CN">
+                <a:effectLst>
+                  <a:outerShdw blurRad="38100" dist="25400" dir="5400000" algn="ctr" rotWithShape="0">
+                    <a:srgbClr val="6E747A">
+                      <a:alpha val="43000"/>
+                    </a:srgbClr>
+                  </a:outerShdw>
+                </a:effectLst>
+                <a:latin typeface="微软雅黑" panose="020B0503020204020204" pitchFamily="34" charset="-122"/>
+                <a:ea typeface="微软雅黑" panose="020B0503020204020204" pitchFamily="34" charset="-122"/>
+                <a:cs typeface="微软雅黑" panose="020B0503020204020204" pitchFamily="34" charset="-122"/>
+                <a:sym typeface="+mn-ea"/>
+              </a:rPr>
+              <a:t>import </a:t>
+            </a:r>
+            <a:r>
+              <a:rPr lang="zh-CN" altLang="en-US">
+                <a:effectLst>
+                  <a:outerShdw blurRad="38100" dist="25400" dir="5400000" algn="ctr" rotWithShape="0">
+                    <a:srgbClr val="6E747A">
+                      <a:alpha val="43000"/>
+                    </a:srgbClr>
+                  </a:outerShdw>
+                </a:effectLst>
+                <a:latin typeface="微软雅黑" panose="020B0503020204020204" pitchFamily="34" charset="-122"/>
+                <a:ea typeface="微软雅黑" panose="020B0503020204020204" pitchFamily="34" charset="-122"/>
+                <a:cs typeface="微软雅黑" panose="020B0503020204020204" pitchFamily="34" charset="-122"/>
+                <a:sym typeface="+mn-ea"/>
+              </a:rPr>
+              <a:t>引入，</a:t>
+            </a:r>
+            <a:r>
+              <a:rPr lang="en-US" altLang="zh-CN">
+                <a:effectLst>
+                  <a:outerShdw blurRad="38100" dist="25400" dir="5400000" algn="ctr" rotWithShape="0">
+                    <a:srgbClr val="6E747A">
+                      <a:alpha val="43000"/>
+                    </a:srgbClr>
+                  </a:outerShdw>
+                </a:effectLst>
+                <a:latin typeface="微软雅黑" panose="020B0503020204020204" pitchFamily="34" charset="-122"/>
+                <a:ea typeface="微软雅黑" panose="020B0503020204020204" pitchFamily="34" charset="-122"/>
+                <a:cs typeface="微软雅黑" panose="020B0503020204020204" pitchFamily="34" charset="-122"/>
+                <a:sym typeface="+mn-ea"/>
+              </a:rPr>
+              <a:t>turtle</a:t>
+            </a:r>
+            <a:r>
+              <a:rPr lang="zh-CN" altLang="en-US">
+                <a:effectLst>
+                  <a:outerShdw blurRad="38100" dist="25400" dir="5400000" algn="ctr" rotWithShape="0">
+                    <a:srgbClr val="6E747A">
+                      <a:alpha val="43000"/>
+                    </a:srgbClr>
+                  </a:outerShdw>
+                </a:effectLst>
+                <a:latin typeface="微软雅黑" panose="020B0503020204020204" pitchFamily="34" charset="-122"/>
+                <a:ea typeface="微软雅黑" panose="020B0503020204020204" pitchFamily="34" charset="-122"/>
+                <a:cs typeface="微软雅黑" panose="020B0503020204020204" pitchFamily="34" charset="-122"/>
+                <a:sym typeface="+mn-ea"/>
+              </a:rPr>
+              <a:t>海龟库</a:t>
+            </a:r>
+            <a:endParaRPr lang="en-US" altLang="zh-CN">
+              <a:solidFill>
+                <a:schemeClr val="tx1"/>
+              </a:solidFill>
+              <a:effectLst>
+                <a:outerShdw blurRad="38100" dist="25400" dir="5400000" algn="ctr" rotWithShape="0">
+                  <a:srgbClr val="6E747A">
+                    <a:alpha val="43000"/>
+                  </a:srgbClr>
+                </a:outerShdw>
+              </a:effectLst>
+              <a:latin typeface="微软雅黑" panose="020B0503020204020204" pitchFamily="34" charset="-122"/>
+              <a:ea typeface="微软雅黑" panose="020B0503020204020204" pitchFamily="34" charset="-122"/>
+              <a:cs typeface="微软雅黑" panose="020B0503020204020204" pitchFamily="34" charset="-122"/>
+              <a:sym typeface="+mn-ea"/>
+            </a:endParaRPr>
+          </a:p>
+          <a:p>
+            <a:pPr marL="0" indent="0" algn="l">
+              <a:lnSpc>
+                <a:spcPct val="200000"/>
+              </a:lnSpc>
+              <a:buFont typeface="Arial" panose="020B0604020202020204" pitchFamily="34" charset="0"/>
+              <a:buNone/>
+            </a:pPr>
+            <a:r>
+              <a:rPr lang="en-US" altLang="zh-CN">
+                <a:effectLst>
+                  <a:outerShdw blurRad="38100" dist="25400" dir="5400000" algn="ctr" rotWithShape="0">
+                    <a:srgbClr val="6E747A">
+                      <a:alpha val="43000"/>
+                    </a:srgbClr>
+                  </a:outerShdw>
+                </a:effectLst>
+                <a:latin typeface="微软雅黑" panose="020B0503020204020204" pitchFamily="34" charset="-122"/>
+                <a:ea typeface="微软雅黑" panose="020B0503020204020204" pitchFamily="34" charset="-122"/>
+                <a:cs typeface="微软雅黑" panose="020B0503020204020204" pitchFamily="34" charset="-122"/>
+                <a:sym typeface="+mn-ea"/>
+              </a:rPr>
+              <a:t>import turtle</a:t>
+            </a:r>
+            <a:endParaRPr>
+              <a:solidFill>
+                <a:schemeClr val="tx1"/>
+              </a:solidFill>
+              <a:effectLst>
+                <a:outerShdw blurRad="38100" dist="25400" dir="5400000" algn="ctr" rotWithShape="0">
+                  <a:srgbClr val="6E747A">
+                    <a:alpha val="43000"/>
+                  </a:srgbClr>
+                </a:outerShdw>
+              </a:effectLst>
+              <a:latin typeface="微软雅黑" panose="020B0503020204020204" pitchFamily="34" charset="-122"/>
+              <a:ea typeface="微软雅黑" panose="020B0503020204020204" pitchFamily="34" charset="-122"/>
+              <a:cs typeface="微软雅黑" panose="020B0503020204020204" pitchFamily="34" charset="-122"/>
+              <a:sym typeface="+mn-ea"/>
+            </a:endParaRPr>
+          </a:p>
+          <a:p>
+            <a:pPr marL="0" indent="0" algn="l">
+              <a:lnSpc>
+                <a:spcPct val="200000"/>
+              </a:lnSpc>
+              <a:buFont typeface="Arial" panose="020B0604020202020204" pitchFamily="34" charset="0"/>
+              <a:buNone/>
+            </a:pPr>
+            <a:r>
+              <a:rPr>
+                <a:effectLst>
+                  <a:outerShdw blurRad="38100" dist="25400" dir="5400000" algn="ctr" rotWithShape="0">
+                    <a:srgbClr val="6E747A">
+                      <a:alpha val="43000"/>
+                    </a:srgbClr>
+                  </a:outerShdw>
+                </a:effectLst>
+                <a:latin typeface="微软雅黑" panose="020B0503020204020204" pitchFamily="34" charset="-122"/>
+                <a:ea typeface="微软雅黑" panose="020B0503020204020204" pitchFamily="34" charset="-122"/>
+                <a:cs typeface="微软雅黑" panose="020B0503020204020204" pitchFamily="34" charset="-122"/>
+                <a:sym typeface="+mn-ea"/>
+              </a:rPr>
+              <a:t>#把海龟改为熊猫</a:t>
+            </a:r>
+            <a:endParaRPr>
+              <a:solidFill>
+                <a:schemeClr val="tx1"/>
+              </a:solidFill>
+              <a:effectLst>
+                <a:outerShdw blurRad="38100" dist="25400" dir="5400000" algn="ctr" rotWithShape="0">
+                  <a:srgbClr val="6E747A">
+                    <a:alpha val="43000"/>
+                  </a:srgbClr>
+                </a:outerShdw>
+              </a:effectLst>
+              <a:latin typeface="微软雅黑" panose="020B0503020204020204" pitchFamily="34" charset="-122"/>
+              <a:ea typeface="微软雅黑" panose="020B0503020204020204" pitchFamily="34" charset="-122"/>
+              <a:cs typeface="微软雅黑" panose="020B0503020204020204" pitchFamily="34" charset="-122"/>
+              <a:sym typeface="+mn-ea"/>
+            </a:endParaRPr>
+          </a:p>
+          <a:p>
+            <a:pPr marL="0" indent="0" algn="l">
+              <a:lnSpc>
+                <a:spcPct val="200000"/>
+              </a:lnSpc>
+              <a:buFont typeface="Arial" panose="020B0604020202020204" pitchFamily="34" charset="0"/>
+              <a:buNone/>
+            </a:pPr>
+            <a:r>
+              <a:rPr>
+                <a:effectLst>
+                  <a:outerShdw blurRad="38100" dist="25400" dir="5400000" algn="ctr" rotWithShape="0">
+                    <a:srgbClr val="6E747A">
+                      <a:alpha val="43000"/>
+                    </a:srgbClr>
+                  </a:outerShdw>
+                </a:effectLst>
+                <a:latin typeface="微软雅黑" panose="020B0503020204020204" pitchFamily="34" charset="-122"/>
+                <a:ea typeface="微软雅黑" panose="020B0503020204020204" pitchFamily="34" charset="-122"/>
+                <a:cs typeface="微软雅黑" panose="020B0503020204020204" pitchFamily="34" charset="-122"/>
+                <a:sym typeface="+mn-ea"/>
+              </a:rPr>
+              <a:t>turtle.register_shape('panda.gif')</a:t>
+            </a:r>
+            <a:endParaRPr>
+              <a:solidFill>
+                <a:schemeClr val="tx1"/>
+              </a:solidFill>
+              <a:effectLst>
+                <a:outerShdw blurRad="38100" dist="25400" dir="5400000" algn="ctr" rotWithShape="0">
+                  <a:srgbClr val="6E747A">
+                    <a:alpha val="43000"/>
+                  </a:srgbClr>
+                </a:outerShdw>
+              </a:effectLst>
+              <a:latin typeface="微软雅黑" panose="020B0503020204020204" pitchFamily="34" charset="-122"/>
+              <a:ea typeface="微软雅黑" panose="020B0503020204020204" pitchFamily="34" charset="-122"/>
+              <a:cs typeface="微软雅黑" panose="020B0503020204020204" pitchFamily="34" charset="-122"/>
+              <a:sym typeface="+mn-ea"/>
+            </a:endParaRPr>
+          </a:p>
+          <a:p>
+            <a:pPr marL="0" indent="0" algn="l">
+              <a:lnSpc>
+                <a:spcPct val="200000"/>
+              </a:lnSpc>
+              <a:buFont typeface="Arial" panose="020B0604020202020204" pitchFamily="34" charset="0"/>
+              <a:buNone/>
+            </a:pPr>
+            <a:r>
+              <a:rPr>
+                <a:effectLst>
+                  <a:outerShdw blurRad="38100" dist="25400" dir="5400000" algn="ctr" rotWithShape="0">
+                    <a:srgbClr val="6E747A">
+                      <a:alpha val="43000"/>
+                    </a:srgbClr>
+                  </a:outerShdw>
+                </a:effectLst>
+                <a:latin typeface="微软雅黑" panose="020B0503020204020204" pitchFamily="34" charset="-122"/>
+                <a:ea typeface="微软雅黑" panose="020B0503020204020204" pitchFamily="34" charset="-122"/>
+                <a:cs typeface="微软雅黑" panose="020B0503020204020204" pitchFamily="34" charset="-122"/>
+                <a:sym typeface="+mn-ea"/>
+              </a:rPr>
+              <a:t>turtle.shape('panda.gif')</a:t>
+            </a:r>
+            <a:endParaRPr>
+              <a:solidFill>
+                <a:schemeClr val="tx1"/>
+              </a:solidFill>
+              <a:effectLst>
+                <a:outerShdw blurRad="38100" dist="25400" dir="5400000" algn="ctr" rotWithShape="0">
+                  <a:srgbClr val="6E747A">
+                    <a:alpha val="43000"/>
+                  </a:srgbClr>
+                </a:outerShdw>
+              </a:effectLst>
+              <a:latin typeface="微软雅黑" panose="020B0503020204020204" pitchFamily="34" charset="-122"/>
+              <a:ea typeface="微软雅黑" panose="020B0503020204020204" pitchFamily="34" charset="-122"/>
+              <a:cs typeface="微软雅黑" panose="020B0503020204020204" pitchFamily="34" charset="-122"/>
+              <a:sym typeface="+mn-ea"/>
+            </a:endParaRPr>
+          </a:p>
+          <a:p>
+            <a:pPr marL="0" indent="0" algn="l">
+              <a:lnSpc>
+                <a:spcPct val="200000"/>
+              </a:lnSpc>
+              <a:buFont typeface="Arial" panose="020B0604020202020204" pitchFamily="34" charset="0"/>
+              <a:buNone/>
+            </a:pPr>
+            <a:r>
+              <a:rPr lang="en-US">
+                <a:effectLst>
+                  <a:outerShdw blurRad="38100" dist="25400" dir="5400000" algn="ctr" rotWithShape="0">
+                    <a:srgbClr val="6E747A">
+                      <a:alpha val="43000"/>
+                    </a:srgbClr>
+                  </a:outerShdw>
+                </a:effectLst>
+                <a:latin typeface="微软雅黑" panose="020B0503020204020204" pitchFamily="34" charset="-122"/>
+                <a:ea typeface="微软雅黑" panose="020B0503020204020204" pitchFamily="34" charset="-122"/>
+                <a:cs typeface="微软雅黑" panose="020B0503020204020204" pitchFamily="34" charset="-122"/>
+                <a:sym typeface="+mn-ea"/>
+              </a:rPr>
+              <a:t>#</a:t>
+            </a:r>
+            <a:r>
+              <a:rPr lang="zh-CN" altLang="en-US">
+                <a:effectLst>
+                  <a:outerShdw blurRad="38100" dist="25400" dir="5400000" algn="ctr" rotWithShape="0">
+                    <a:srgbClr val="6E747A">
+                      <a:alpha val="43000"/>
+                    </a:srgbClr>
+                  </a:outerShdw>
+                </a:effectLst>
+                <a:latin typeface="微软雅黑" panose="020B0503020204020204" pitchFamily="34" charset="-122"/>
+                <a:ea typeface="微软雅黑" panose="020B0503020204020204" pitchFamily="34" charset="-122"/>
+                <a:cs typeface="微软雅黑" panose="020B0503020204020204" pitchFamily="34" charset="-122"/>
+                <a:sym typeface="+mn-ea"/>
+              </a:rPr>
               <a:t>绘制圆</a:t>
             </a:r>
+            <a:endParaRPr lang="en-US">
+              <a:solidFill>
+                <a:schemeClr val="tx1"/>
+              </a:solidFill>
+              <a:effectLst>
+                <a:outerShdw blurRad="38100" dist="25400" dir="5400000" algn="ctr" rotWithShape="0">
+                  <a:srgbClr val="6E747A">
+                    <a:alpha val="43000"/>
+                  </a:srgbClr>
+                </a:outerShdw>
+              </a:effectLst>
+              <a:latin typeface="微软雅黑" panose="020B0503020204020204" pitchFamily="34" charset="-122"/>
+              <a:ea typeface="微软雅黑" panose="020B0503020204020204" pitchFamily="34" charset="-122"/>
+              <a:cs typeface="微软雅黑" panose="020B0503020204020204" pitchFamily="34" charset="-122"/>
+              <a:sym typeface="+mn-ea"/>
+            </a:endParaRPr>
+          </a:p>
+          <a:p>
+            <a:pPr marL="0" indent="0" algn="l">
+              <a:lnSpc>
+                <a:spcPct val="200000"/>
+              </a:lnSpc>
+              <a:buFont typeface="Arial" panose="020B0604020202020204" pitchFamily="34" charset="0"/>
+              <a:buNone/>
+            </a:pPr>
+            <a:r>
+              <a:rPr>
+                <a:effectLst>
+                  <a:outerShdw blurRad="38100" dist="25400" dir="5400000" algn="ctr" rotWithShape="0">
+                    <a:srgbClr val="6E747A">
+                      <a:alpha val="43000"/>
+                    </a:srgbClr>
+                  </a:outerShdw>
+                </a:effectLst>
+                <a:latin typeface="微软雅黑" panose="020B0503020204020204" pitchFamily="34" charset="-122"/>
+                <a:ea typeface="微软雅黑" panose="020B0503020204020204" pitchFamily="34" charset="-122"/>
+                <a:cs typeface="微软雅黑" panose="020B0503020204020204" pitchFamily="34" charset="-122"/>
+                <a:sym typeface="+mn-ea"/>
+              </a:rPr>
+              <a:t>turtle.</a:t>
+            </a:r>
+            <a:r>
+              <a:rPr lang="en-US">
+                <a:effectLst>
+                  <a:outerShdw blurRad="38100" dist="25400" dir="5400000" algn="ctr" rotWithShape="0">
+                    <a:srgbClr val="6E747A">
+                      <a:alpha val="43000"/>
+                    </a:srgbClr>
+                  </a:outerShdw>
+                </a:effectLst>
+                <a:latin typeface="微软雅黑" panose="020B0503020204020204" pitchFamily="34" charset="-122"/>
+                <a:ea typeface="微软雅黑" panose="020B0503020204020204" pitchFamily="34" charset="-122"/>
+                <a:cs typeface="微软雅黑" panose="020B0503020204020204" pitchFamily="34" charset="-122"/>
+                <a:sym typeface="+mn-ea"/>
+              </a:rPr>
+              <a:t>circle(100)</a:t>
+            </a:r>
+            <a:endParaRPr lang="en-US">
+              <a:solidFill>
+                <a:schemeClr val="tx1"/>
+              </a:solidFill>
+              <a:effectLst>
+                <a:outerShdw blurRad="38100" dist="25400" dir="5400000" algn="ctr" rotWithShape="0">
+                  <a:srgbClr val="6E747A">
+                    <a:alpha val="43000"/>
+                  </a:srgbClr>
+                </a:outerShdw>
+              </a:effectLst>
+              <a:latin typeface="微软雅黑" panose="020B0503020204020204" pitchFamily="34" charset="-122"/>
+              <a:ea typeface="微软雅黑" panose="020B0503020204020204" pitchFamily="34" charset="-122"/>
+              <a:cs typeface="微软雅黑" panose="020B0503020204020204" pitchFamily="34" charset="-122"/>
+              <a:sym typeface="+mn-ea"/>
+            </a:endParaRPr>
+          </a:p>
+          <a:p>
             <a:endParaRPr lang="zh-CN" altLang="en-US"/>
           </a:p>
         </p:txBody>
@@ -7242,6 +7334,396 @@
       </p:grpSpPr>
       <p:sp>
         <p:nvSpPr>
+          <p:cNvPr id="14338" name="文本框 3"/>
+          <p:cNvSpPr txBox="1">
+            <a:spLocks noChangeArrowheads="1"/>
+          </p:cNvSpPr>
+          <p:nvPr/>
+        </p:nvSpPr>
+        <p:spPr bwMode="auto">
+          <a:xfrm>
+            <a:off x="1069975" y="419100"/>
+            <a:ext cx="3729038" cy="368300"/>
+          </a:xfrm>
+          <a:prstGeom prst="rect">
+            <a:avLst/>
+          </a:prstGeom>
+          <a:noFill/>
+          <a:ln>
+            <a:noFill/>
+          </a:ln>
+          <a:extLst>
+            <a:ext uri="{909E8E84-426E-40DD-AFC4-6F175D3DCCD1}">
+              <a14:hiddenFill xmlns:a14="http://schemas.microsoft.com/office/drawing/2010/main">
+                <a:solidFill>
+                  <a:srgbClr val="FFFFFF"/>
+                </a:solidFill>
+              </a14:hiddenFill>
+            </a:ext>
+            <a:ext uri="{91240B29-F687-4F45-9708-019B960494DF}">
+              <a14:hiddenLine xmlns:a14="http://schemas.microsoft.com/office/drawing/2010/main" w="9525">
+                <a:solidFill>
+                  <a:srgbClr val="000000"/>
+                </a:solidFill>
+                <a:miter lim="800000"/>
+                <a:headEnd/>
+                <a:tailEnd/>
+              </a14:hiddenLine>
+            </a:ext>
+          </a:extLst>
+        </p:spPr>
+        <p:txBody>
+          <a:bodyPr>
+            <a:spAutoFit/>
+          </a:bodyPr>
+          <a:lstStyle>
+            <a:lvl1pPr eaLnBrk="0" hangingPunct="0">
+              <a:defRPr>
+                <a:solidFill>
+                  <a:schemeClr val="tx1"/>
+                </a:solidFill>
+                <a:latin typeface="等线" panose="02010600030101010101" charset="-122"/>
+                <a:ea typeface="等线" panose="02010600030101010101" charset="-122"/>
+                <a:cs typeface="等线" panose="02010600030101010101" charset="-122"/>
+              </a:defRPr>
+            </a:lvl1pPr>
+            <a:lvl2pPr marL="742950" indent="-285750" eaLnBrk="0" hangingPunct="0">
+              <a:defRPr>
+                <a:solidFill>
+                  <a:schemeClr val="tx1"/>
+                </a:solidFill>
+                <a:latin typeface="等线" panose="02010600030101010101" charset="-122"/>
+                <a:ea typeface="等线" panose="02010600030101010101" charset="-122"/>
+                <a:cs typeface="等线" panose="02010600030101010101" charset="-122"/>
+              </a:defRPr>
+            </a:lvl2pPr>
+            <a:lvl3pPr marL="1143000" indent="-228600" eaLnBrk="0" hangingPunct="0">
+              <a:defRPr>
+                <a:solidFill>
+                  <a:schemeClr val="tx1"/>
+                </a:solidFill>
+                <a:latin typeface="等线" panose="02010600030101010101" charset="-122"/>
+                <a:ea typeface="等线" panose="02010600030101010101" charset="-122"/>
+                <a:cs typeface="等线" panose="02010600030101010101" charset="-122"/>
+              </a:defRPr>
+            </a:lvl3pPr>
+            <a:lvl4pPr marL="1600200" indent="-228600" eaLnBrk="0" hangingPunct="0">
+              <a:defRPr>
+                <a:solidFill>
+                  <a:schemeClr val="tx1"/>
+                </a:solidFill>
+                <a:latin typeface="等线" panose="02010600030101010101" charset="-122"/>
+                <a:ea typeface="等线" panose="02010600030101010101" charset="-122"/>
+                <a:cs typeface="等线" panose="02010600030101010101" charset="-122"/>
+              </a:defRPr>
+            </a:lvl4pPr>
+            <a:lvl5pPr marL="2057400" indent="-228600" eaLnBrk="0" hangingPunct="0">
+              <a:defRPr>
+                <a:solidFill>
+                  <a:schemeClr val="tx1"/>
+                </a:solidFill>
+                <a:latin typeface="等线" panose="02010600030101010101" charset="-122"/>
+                <a:ea typeface="等线" panose="02010600030101010101" charset="-122"/>
+                <a:cs typeface="等线" panose="02010600030101010101" charset="-122"/>
+              </a:defRPr>
+            </a:lvl5pPr>
+            <a:lvl6pPr marL="2514600" indent="-228600" eaLnBrk="0" fontAlgn="base" hangingPunct="0">
+              <a:spcBef>
+                <a:spcPct val="0"/>
+              </a:spcBef>
+              <a:spcAft>
+                <a:spcPct val="0"/>
+              </a:spcAft>
+              <a:defRPr>
+                <a:solidFill>
+                  <a:schemeClr val="tx1"/>
+                </a:solidFill>
+                <a:latin typeface="等线" panose="02010600030101010101" charset="-122"/>
+                <a:ea typeface="等线" panose="02010600030101010101" charset="-122"/>
+                <a:cs typeface="等线" panose="02010600030101010101" charset="-122"/>
+              </a:defRPr>
+            </a:lvl6pPr>
+            <a:lvl7pPr marL="2971800" indent="-228600" eaLnBrk="0" fontAlgn="base" hangingPunct="0">
+              <a:spcBef>
+                <a:spcPct val="0"/>
+              </a:spcBef>
+              <a:spcAft>
+                <a:spcPct val="0"/>
+              </a:spcAft>
+              <a:defRPr>
+                <a:solidFill>
+                  <a:schemeClr val="tx1"/>
+                </a:solidFill>
+                <a:latin typeface="等线" panose="02010600030101010101" charset="-122"/>
+                <a:ea typeface="等线" panose="02010600030101010101" charset="-122"/>
+                <a:cs typeface="等线" panose="02010600030101010101" charset="-122"/>
+              </a:defRPr>
+            </a:lvl7pPr>
+            <a:lvl8pPr marL="3429000" indent="-228600" eaLnBrk="0" fontAlgn="base" hangingPunct="0">
+              <a:spcBef>
+                <a:spcPct val="0"/>
+              </a:spcBef>
+              <a:spcAft>
+                <a:spcPct val="0"/>
+              </a:spcAft>
+              <a:defRPr>
+                <a:solidFill>
+                  <a:schemeClr val="tx1"/>
+                </a:solidFill>
+                <a:latin typeface="等线" panose="02010600030101010101" charset="-122"/>
+                <a:ea typeface="等线" panose="02010600030101010101" charset="-122"/>
+                <a:cs typeface="等线" panose="02010600030101010101" charset="-122"/>
+              </a:defRPr>
+            </a:lvl8pPr>
+            <a:lvl9pPr marL="3886200" indent="-228600" eaLnBrk="0" fontAlgn="base" hangingPunct="0">
+              <a:spcBef>
+                <a:spcPct val="0"/>
+              </a:spcBef>
+              <a:spcAft>
+                <a:spcPct val="0"/>
+              </a:spcAft>
+              <a:defRPr>
+                <a:solidFill>
+                  <a:schemeClr val="tx1"/>
+                </a:solidFill>
+                <a:latin typeface="等线" panose="02010600030101010101" charset="-122"/>
+                <a:ea typeface="等线" panose="02010600030101010101" charset="-122"/>
+                <a:cs typeface="等线" panose="02010600030101010101" charset="-122"/>
+              </a:defRPr>
+            </a:lvl9pPr>
+          </a:lstStyle>
+          <a:p>
+            <a:pPr eaLnBrk="1" hangingPunct="1"/>
+            <a:r>
+              <a:rPr lang="zh-CN" altLang="en-US" dirty="0">
+                <a:latin typeface="微软雅黑" panose="020B0503020204020204" pitchFamily="34" charset="-122"/>
+                <a:ea typeface="微软雅黑" panose="020B0503020204020204" pitchFamily="34" charset="-122"/>
+              </a:rPr>
+              <a:t>海龟运动</a:t>
+            </a:r>
+            <a:endParaRPr lang="zh-CN" altLang="en-US" dirty="0">
+              <a:latin typeface="微软雅黑" panose="020B0503020204020204" pitchFamily="34" charset="-122"/>
+              <a:ea typeface="微软雅黑" panose="020B0503020204020204" pitchFamily="34" charset="-122"/>
+            </a:endParaRPr>
+          </a:p>
+        </p:txBody>
+      </p:sp>
+      <p:pic>
+        <p:nvPicPr>
+          <p:cNvPr id="12" name="图片 11" descr="C:\Users\Administrator\Desktop\机器人图片\图片1.png图片1"/>
+          <p:cNvPicPr>
+            <a:picLocks noChangeAspect="1"/>
+          </p:cNvPicPr>
+          <p:nvPr/>
+        </p:nvPicPr>
+        <p:blipFill>
+          <a:blip r:embed="rId2">
+            <a:clrChange>
+              <a:clrFrom>
+                <a:srgbClr val="FFFFFF">
+                  <a:alpha val="100000"/>
+                </a:srgbClr>
+              </a:clrFrom>
+              <a:clrTo>
+                <a:srgbClr val="FFFFFF">
+                  <a:alpha val="100000"/>
+                  <a:alpha val="0"/>
+                </a:srgbClr>
+              </a:clrTo>
+            </a:clrChange>
+          </a:blip>
+          <a:srcRect/>
+          <a:stretch>
+            <a:fillRect/>
+          </a:stretch>
+        </p:blipFill>
+        <p:spPr>
+          <a:xfrm rot="300000">
+            <a:off x="9226550" y="3027680"/>
+            <a:ext cx="2281555" cy="2884805"/>
+          </a:xfrm>
+          <a:prstGeom prst="rect">
+            <a:avLst/>
+          </a:prstGeom>
+        </p:spPr>
+      </p:pic>
+      <p:sp>
+        <p:nvSpPr>
+          <p:cNvPr id="6" name="文本框 5"/>
+          <p:cNvSpPr txBox="1"/>
+          <p:nvPr/>
+        </p:nvSpPr>
+        <p:spPr>
+          <a:xfrm>
+            <a:off x="1784350" y="1136650"/>
+            <a:ext cx="6717030" cy="3138170"/>
+          </a:xfrm>
+          <a:prstGeom prst="rect">
+            <a:avLst/>
+          </a:prstGeom>
+          <a:noFill/>
+        </p:spPr>
+        <p:txBody>
+          <a:bodyPr wrap="square" rtlCol="0">
+            <a:spAutoFit/>
+          </a:bodyPr>
+          <a:p>
+            <a:r>
+              <a:rPr lang="zh-CN" altLang="en-US" b="1">
+                <a:solidFill>
+                  <a:srgbClr val="FF0000"/>
+                </a:solidFill>
+              </a:rPr>
+              <a:t>例</a:t>
+            </a:r>
+            <a:r>
+              <a:rPr lang="en-US" altLang="zh-CN" b="1">
+                <a:solidFill>
+                  <a:srgbClr val="FF0000"/>
+                </a:solidFill>
+              </a:rPr>
+              <a:t>6</a:t>
+            </a:r>
+            <a:r>
+              <a:rPr lang="zh-CN" altLang="en-US" b="1">
+                <a:solidFill>
+                  <a:srgbClr val="FF0000"/>
+                </a:solidFill>
+              </a:rPr>
+              <a:t>：</a:t>
+            </a:r>
+            <a:endParaRPr lang="zh-CN" altLang="en-US"/>
+          </a:p>
+          <a:p>
+            <a:r>
+              <a:rPr lang="zh-CN" altLang="en-US"/>
+              <a:t>import turtle</a:t>
+            </a:r>
+            <a:endParaRPr lang="zh-CN" altLang="en-US"/>
+          </a:p>
+          <a:p>
+            <a:r>
+              <a:rPr lang="zh-CN" altLang="en-US"/>
+              <a:t>#把海龟改为熊猫</a:t>
+            </a:r>
+            <a:endParaRPr lang="zh-CN" altLang="en-US"/>
+          </a:p>
+          <a:p>
+            <a:r>
+              <a:rPr lang="zh-CN" altLang="en-US"/>
+              <a:t>turtle.register_shape('panda.gif')</a:t>
+            </a:r>
+            <a:endParaRPr lang="zh-CN" altLang="en-US"/>
+          </a:p>
+          <a:p>
+            <a:r>
+              <a:rPr lang="zh-CN" altLang="en-US"/>
+              <a:t>turtle.shape('panda.gif')</a:t>
+            </a:r>
+            <a:endParaRPr lang="zh-CN" altLang="en-US"/>
+          </a:p>
+          <a:p>
+            <a:r>
+              <a:rPr lang="en-US" altLang="zh-CN"/>
+              <a:t>#</a:t>
+            </a:r>
+            <a:r>
+              <a:rPr lang="zh-CN" altLang="en-US"/>
+              <a:t>设置红色</a:t>
+            </a:r>
+            <a:endParaRPr lang="zh-CN" altLang="en-US"/>
+          </a:p>
+          <a:p>
+            <a:r>
+              <a:rPr lang="zh-CN" altLang="en-US"/>
+              <a:t>turtle.pencolor("red")</a:t>
+            </a:r>
+            <a:endParaRPr lang="zh-CN" altLang="en-US"/>
+          </a:p>
+          <a:p>
+            <a:r>
+              <a:rPr lang="en-US" altLang="zh-CN"/>
+              <a:t>#</a:t>
+            </a:r>
+            <a:r>
+              <a:rPr lang="zh-CN" altLang="en-US"/>
+              <a:t>设置笔的大小</a:t>
+            </a:r>
+            <a:endParaRPr lang="zh-CN" altLang="en-US"/>
+          </a:p>
+          <a:p>
+            <a:r>
+              <a:rPr lang="zh-CN" altLang="en-US"/>
+              <a:t>turtle.pensize(2)</a:t>
+            </a:r>
+            <a:endParaRPr lang="zh-CN" altLang="en-US"/>
+          </a:p>
+          <a:p>
+            <a:r>
+              <a:rPr lang="en-US" altLang="zh-CN"/>
+              <a:t>#</a:t>
+            </a:r>
+            <a:r>
+              <a:rPr lang="zh-CN" altLang="en-US"/>
+              <a:t>绘制圆</a:t>
+            </a:r>
+            <a:endParaRPr lang="zh-CN" altLang="en-US"/>
+          </a:p>
+          <a:p>
+            <a:r>
+              <a:rPr lang="zh-CN" altLang="en-US"/>
+              <a:t>turtle.circle(100)</a:t>
+            </a:r>
+            <a:endParaRPr lang="zh-CN" altLang="en-US"/>
+          </a:p>
+        </p:txBody>
+      </p:sp>
+    </p:spTree>
+  </p:cSld>
+  <p:clrMapOvr>
+    <a:masterClrMapping/>
+  </p:clrMapOvr>
+  <p:timing>
+    <p:tnLst>
+      <p:par>
+        <p:cTn id="1" dur="indefinite" restart="never" nodeType="tmRoot"/>
+      </p:par>
+    </p:tnLst>
+  </p:timing>
+</p:sld>
+</file>
+
+<file path=ppt/slides/slide16.xml><?xml version="1.0" encoding="utf-8"?>
+<p:sld xmlns:a="http://schemas.openxmlformats.org/drawingml/2006/main" xmlns:r="http://schemas.openxmlformats.org/officeDocument/2006/relationships" xmlns:p="http://schemas.openxmlformats.org/presentationml/2006/main">
+  <p:cSld>
+    <p:bg>
+      <p:bgPr>
+        <a:blipFill dpi="0" rotWithShape="0">
+          <a:blip r:embed="rId1"/>
+          <a:srcRect/>
+          <a:stretch>
+            <a:fillRect/>
+          </a:stretch>
+        </a:blipFill>
+        <a:effectLst/>
+      </p:bgPr>
+    </p:bg>
+    <p:spTree>
+      <p:nvGrpSpPr>
+        <p:cNvPr id="1" name=""/>
+        <p:cNvGrpSpPr/>
+        <p:nvPr/>
+      </p:nvGrpSpPr>
+      <p:grpSpPr>
+        <a:xfrm>
+          <a:off x="0" y="0"/>
+          <a:ext cx="0" cy="0"/>
+          <a:chOff x="0" y="0"/>
+          <a:chExt cx="0" cy="0"/>
+        </a:xfrm>
+      </p:grpSpPr>
+      <p:sp>
+        <p:nvSpPr>
           <p:cNvPr id="13314" name="文本框 5"/>
           <p:cNvSpPr txBox="1">
             <a:spLocks noChangeArrowheads="1"/>
@@ -8206,7 +8688,7 @@
 </p:sld>
 </file>
 
-<file path=ppt/slides/slide16.xml><?xml version="1.0" encoding="utf-8"?>
+<file path=ppt/slides/slide17.xml><?xml version="1.0" encoding="utf-8"?>
 <p:sld xmlns:a="http://schemas.openxmlformats.org/drawingml/2006/main" xmlns:r="http://schemas.openxmlformats.org/officeDocument/2006/relationships" xmlns:p="http://schemas.openxmlformats.org/presentationml/2006/main">
   <p:cSld>
     <p:bg>
@@ -8570,7 +9052,7 @@
                   <a:schemeClr val="tx1"/>
                 </a:solidFill>
               </a:rPr>
-              <a:t>设置一个好看的图案</a:t>
+              <a:t>画一个房子</a:t>
             </a:r>
             <a:endParaRPr lang="zh-CN" altLang="en-US" sz="2000">
               <a:solidFill>
@@ -8609,7 +9091,7 @@
 </p:sld>
 </file>
 
-<file path=ppt/slides/slide17.xml><?xml version="1.0" encoding="utf-8"?>
+<file path=ppt/slides/slide18.xml><?xml version="1.0" encoding="utf-8"?>
 <p:sld xmlns:a="http://schemas.openxmlformats.org/drawingml/2006/main" xmlns:r="http://schemas.openxmlformats.org/officeDocument/2006/relationships" xmlns:p="http://schemas.openxmlformats.org/presentationml/2006/main">
   <p:cSld>
     <p:spTree>
@@ -9042,7 +9524,7 @@
 </p:sld>
 </file>
 
-<file path=ppt/slides/slide18.xml><?xml version="1.0" encoding="utf-8"?>
+<file path=ppt/slides/slide19.xml><?xml version="1.0" encoding="utf-8"?>
 <p:sld xmlns:a="http://schemas.openxmlformats.org/drawingml/2006/main" xmlns:r="http://schemas.openxmlformats.org/officeDocument/2006/relationships" xmlns:p="http://schemas.openxmlformats.org/presentationml/2006/main">
   <p:cSld>
     <p:bg>
@@ -10267,8 +10749,8 @@
         </p:nvSpPr>
         <p:spPr>
           <a:xfrm>
-            <a:off x="4316730" y="2241868"/>
-            <a:ext cx="4014788" cy="1753235"/>
+            <a:off x="4316730" y="1688148"/>
+            <a:ext cx="5545455" cy="2861310"/>
           </a:xfrm>
           <a:prstGeom prst="rect">
             <a:avLst/>
@@ -10276,7 +10758,7 @@
           <a:noFill/>
         </p:spPr>
         <p:txBody>
-          <a:bodyPr anchor="ctr">
+          <a:bodyPr wrap="square" anchor="ctr">
             <a:spAutoFit/>
           </a:bodyPr>
           <a:p>
@@ -10300,7 +10782,7 @@
                 <a:ea typeface="微软雅黑" panose="020B0503020204020204" pitchFamily="34" charset="-122"/>
                 <a:sym typeface="+mn-ea"/>
               </a:rPr>
-              <a:t>掌握while循环</a:t>
+              <a:t>什么是循环？为什么使用循环？</a:t>
             </a:r>
             <a:endParaRPr lang="en-US" altLang="zh-CN" sz="2400" kern="0" dirty="0">
               <a:solidFill>
@@ -10333,7 +10815,36 @@
                 <a:ea typeface="微软雅黑" panose="020B0503020204020204" pitchFamily="34" charset="-122"/>
                 <a:sym typeface="+mn-ea"/>
               </a:rPr>
-              <a:t>了解函数的意义</a:t>
+              <a:t>怎么跳出循环？</a:t>
+            </a:r>
+            <a:endParaRPr lang="zh-CN" altLang="en-US" sz="2400" dirty="0" smtClean="0">
+              <a:latin typeface="微软雅黑" panose="020B0503020204020204" pitchFamily="34" charset="-122"/>
+              <a:ea typeface="微软雅黑" panose="020B0503020204020204" pitchFamily="34" charset="-122"/>
+              <a:sym typeface="+mn-ea"/>
+            </a:endParaRPr>
+          </a:p>
+          <a:p>
+            <a:pPr marL="342900" indent="-342900" fontAlgn="auto" hangingPunct="0">
+              <a:lnSpc>
+                <a:spcPct val="150000"/>
+              </a:lnSpc>
+              <a:spcBef>
+                <a:spcPts val="0"/>
+              </a:spcBef>
+              <a:spcAft>
+                <a:spcPts val="0"/>
+              </a:spcAft>
+              <a:buFont typeface="Wingdings" panose="05000000000000000000" charset="0"/>
+              <a:buChar char="Ø"/>
+              <a:defRPr/>
+            </a:pPr>
+            <a:r>
+              <a:rPr lang="zh-CN" altLang="en-US" sz="2400" dirty="0" smtClean="0">
+                <a:latin typeface="微软雅黑" panose="020B0503020204020204" pitchFamily="34" charset="-122"/>
+                <a:ea typeface="微软雅黑" panose="020B0503020204020204" pitchFamily="34" charset="-122"/>
+                <a:sym typeface="+mn-ea"/>
+              </a:rPr>
+              <a:t>怎么跳过当次循环？</a:t>
             </a:r>
             <a:endParaRPr lang="en-US" altLang="zh-CN" sz="2400" kern="0" dirty="0">
               <a:solidFill>
@@ -10361,12 +10872,53 @@
               <a:defRPr/>
             </a:pPr>
             <a:r>
-              <a:rPr lang="zh-CN" altLang="en-US" sz="2400" dirty="0" smtClean="0">
-                <a:latin typeface="微软雅黑" panose="020B0503020204020204" pitchFamily="34" charset="-122"/>
-                <a:ea typeface="微软雅黑" panose="020B0503020204020204" pitchFamily="34" charset="-122"/>
-                <a:sym typeface="+mn-ea"/>
-              </a:rPr>
-              <a:t>了解函数调用</a:t>
+              <a:rPr lang="zh-CN" altLang="en-US" sz="2400" kern="0" dirty="0">
+                <a:solidFill>
+                  <a:srgbClr val="000000"/>
+                </a:solidFill>
+                <a:latin typeface="微软雅黑" panose="020B0503020204020204" pitchFamily="34" charset="-122"/>
+                <a:ea typeface="微软雅黑" panose="020B0503020204020204" pitchFamily="34" charset="-122"/>
+                <a:cs typeface="+mn-cs"/>
+                <a:sym typeface="微软雅黑" panose="020B0503020204020204" pitchFamily="34" charset="-122"/>
+              </a:rPr>
+              <a:t>什么是函数？</a:t>
+            </a:r>
+            <a:endParaRPr lang="zh-CN" altLang="en-US" sz="2400" kern="0" dirty="0">
+              <a:solidFill>
+                <a:srgbClr val="000000"/>
+              </a:solidFill>
+              <a:latin typeface="微软雅黑" panose="020B0503020204020204" pitchFamily="34" charset="-122"/>
+              <a:ea typeface="微软雅黑" panose="020B0503020204020204" pitchFamily="34" charset="-122"/>
+              <a:cs typeface="+mn-cs"/>
+              <a:sym typeface="微软雅黑" panose="020B0503020204020204" pitchFamily="34" charset="-122"/>
+            </a:endParaRPr>
+          </a:p>
+          <a:p>
+            <a:pPr marL="342900" indent="-342900" fontAlgn="auto" hangingPunct="0">
+              <a:lnSpc>
+                <a:spcPct val="150000"/>
+              </a:lnSpc>
+              <a:spcBef>
+                <a:spcPts val="0"/>
+              </a:spcBef>
+              <a:spcAft>
+                <a:spcPts val="0"/>
+              </a:spcAft>
+              <a:buFont typeface="Wingdings" panose="05000000000000000000" charset="0"/>
+              <a:buChar char="Ø"/>
+              <a:defRPr/>
+            </a:pPr>
+            <a:r>
+              <a:rPr lang="zh-CN" altLang="en-US" sz="2400" kern="0" dirty="0">
+                <a:solidFill>
+                  <a:srgbClr val="000000"/>
+                </a:solidFill>
+                <a:latin typeface="微软雅黑" panose="020B0503020204020204" pitchFamily="34" charset="-122"/>
+                <a:ea typeface="微软雅黑" panose="020B0503020204020204" pitchFamily="34" charset="-122"/>
+                <a:cs typeface="+mn-cs"/>
+                <a:sym typeface="微软雅黑" panose="020B0503020204020204" pitchFamily="34" charset="-122"/>
+              </a:rPr>
+              <a:t>为什么使用函数？</a:t>
             </a:r>
             <a:endParaRPr lang="zh-CN" altLang="en-US" sz="2400" kern="0" dirty="0">
               <a:solidFill>
@@ -11662,7 +12214,7 @@
             <a:r>
               <a:rPr lang="zh-CN" altLang="en-US" sz="2000">
                 <a:solidFill>
-                  <a:srgbClr val="0070C0"/>
+                  <a:schemeClr val="tx1"/>
                 </a:solidFill>
                 <a:effectLst>
                   <a:outerShdw blurRad="38100" dist="25400" dir="5400000" algn="ctr" rotWithShape="0">
@@ -11681,7 +12233,7 @@
             <a:r>
               <a:rPr lang="en-US" altLang="zh-CN" sz="2000">
                 <a:solidFill>
-                  <a:srgbClr val="0070C0"/>
+                  <a:schemeClr val="tx1"/>
                 </a:solidFill>
                 <a:effectLst>
                   <a:outerShdw blurRad="38100" dist="25400" dir="5400000" algn="ctr" rotWithShape="0">
@@ -11699,7 +12251,7 @@
             </a:r>
             <a:endParaRPr lang="en-US" altLang="zh-CN" sz="2000">
               <a:solidFill>
-                <a:srgbClr val="0070C0"/>
+                <a:schemeClr val="tx1"/>
               </a:solidFill>
               <a:effectLst>
                 <a:outerShdw blurRad="38100" dist="25400" dir="5400000" algn="ctr" rotWithShape="0">
@@ -11725,7 +12277,7 @@
             <a:r>
               <a:rPr lang="zh-CN" altLang="en-US" sz="2000">
                 <a:solidFill>
-                  <a:srgbClr val="0070C0"/>
+                  <a:schemeClr val="tx1"/>
                 </a:solidFill>
                 <a:effectLst>
                   <a:outerShdw blurRad="38100" dist="25400" dir="5400000" algn="ctr" rotWithShape="0">
@@ -11744,7 +12296,7 @@
             <a:r>
               <a:rPr lang="en-US" altLang="zh-CN" sz="2000">
                 <a:solidFill>
-                  <a:srgbClr val="0070C0"/>
+                  <a:schemeClr val="tx1"/>
                 </a:solidFill>
                 <a:effectLst>
                   <a:outerShdw blurRad="38100" dist="25400" dir="5400000" algn="ctr" rotWithShape="0">
@@ -11763,7 +12315,7 @@
             <a:r>
               <a:rPr lang="zh-CN" altLang="en-US" sz="2000">
                 <a:solidFill>
-                  <a:srgbClr val="0070C0"/>
+                  <a:schemeClr val="tx1"/>
                 </a:solidFill>
                 <a:effectLst>
                   <a:outerShdw blurRad="38100" dist="25400" dir="5400000" algn="ctr" rotWithShape="0">
@@ -11781,7 +12333,7 @@
             </a:r>
             <a:endParaRPr lang="zh-CN" altLang="en-US" sz="2000">
               <a:solidFill>
-                <a:srgbClr val="0070C0"/>
+                <a:schemeClr val="tx1"/>
               </a:solidFill>
               <a:effectLst>
                 <a:outerShdw blurRad="38100" dist="25400" dir="5400000" algn="ctr" rotWithShape="0">
@@ -11807,7 +12359,7 @@
             <a:r>
               <a:rPr lang="en-US" altLang="zh-CN" sz="2000">
                 <a:solidFill>
-                  <a:srgbClr val="0070C0"/>
+                  <a:schemeClr val="tx1"/>
                 </a:solidFill>
                 <a:effectLst>
                   <a:outerShdw blurRad="38100" dist="25400" dir="5400000" algn="ctr" rotWithShape="0">
@@ -11826,7 +12378,7 @@
             <a:r>
               <a:rPr lang="zh-CN" altLang="en-US" sz="2000">
                 <a:solidFill>
-                  <a:srgbClr val="0070C0"/>
+                  <a:schemeClr val="tx1"/>
                 </a:solidFill>
                 <a:effectLst>
                   <a:outerShdw blurRad="38100" dist="25400" dir="5400000" algn="ctr" rotWithShape="0">
@@ -13166,340 +13718,6 @@
           </a:p>
         </p:txBody>
       </p:sp>
-      <p:sp>
-        <p:nvSpPr>
-          <p:cNvPr id="4" name="文本框 3"/>
-          <p:cNvSpPr txBox="1"/>
-          <p:nvPr/>
-        </p:nvSpPr>
-        <p:spPr>
-          <a:xfrm>
-            <a:off x="1800000" y="1800000"/>
-            <a:ext cx="8989695" cy="2861310"/>
-          </a:xfrm>
-          <a:prstGeom prst="rect">
-            <a:avLst/>
-          </a:prstGeom>
-          <a:noFill/>
-        </p:spPr>
-        <p:txBody>
-          <a:bodyPr wrap="square" rtlCol="0" anchor="t">
-            <a:spAutoFit/>
-          </a:bodyPr>
-          <a:p>
-            <a:pPr marL="0" indent="0" algn="l">
-              <a:lnSpc>
-                <a:spcPct val="200000"/>
-              </a:lnSpc>
-              <a:buFont typeface="Arial" panose="020B0604020202020204" pitchFamily="34" charset="0"/>
-              <a:buNone/>
-            </a:pPr>
-            <a:r>
-              <a:rPr lang="en-US" altLang="zh-CN" sz="2000">
-                <a:solidFill>
-                  <a:srgbClr val="0070C0"/>
-                </a:solidFill>
-                <a:effectLst>
-                  <a:outerShdw blurRad="38100" dist="25400" dir="5400000" algn="ctr" rotWithShape="0">
-                    <a:srgbClr val="6E747A">
-                      <a:alpha val="43000"/>
-                    </a:srgbClr>
-                  </a:outerShdw>
-                </a:effectLst>
-                <a:latin typeface="微软雅黑" panose="020B0503020204020204" pitchFamily="34" charset="-122"/>
-                <a:ea typeface="微软雅黑" panose="020B0503020204020204" pitchFamily="34" charset="-122"/>
-                <a:cs typeface="微软雅黑" panose="020B0503020204020204" pitchFamily="34" charset="-122"/>
-                <a:sym typeface="+mn-ea"/>
-              </a:rPr>
-              <a:t>#</a:t>
-            </a:r>
-            <a:r>
-              <a:rPr lang="zh-CN" altLang="en-US" sz="2000">
-                <a:solidFill>
-                  <a:srgbClr val="0070C0"/>
-                </a:solidFill>
-                <a:effectLst>
-                  <a:outerShdw blurRad="38100" dist="25400" dir="5400000" algn="ctr" rotWithShape="0">
-                    <a:srgbClr val="6E747A">
-                      <a:alpha val="43000"/>
-                    </a:srgbClr>
-                  </a:outerShdw>
-                </a:effectLst>
-                <a:latin typeface="微软雅黑" panose="020B0503020204020204" pitchFamily="34" charset="-122"/>
-                <a:ea typeface="微软雅黑" panose="020B0503020204020204" pitchFamily="34" charset="-122"/>
-                <a:cs typeface="微软雅黑" panose="020B0503020204020204" pitchFamily="34" charset="-122"/>
-                <a:sym typeface="+mn-ea"/>
-              </a:rPr>
-              <a:t>引入海龟库，</a:t>
-            </a:r>
-            <a:r>
-              <a:rPr lang="en-US" altLang="zh-CN" sz="2000">
-                <a:solidFill>
-                  <a:srgbClr val="0070C0"/>
-                </a:solidFill>
-                <a:effectLst>
-                  <a:outerShdw blurRad="38100" dist="25400" dir="5400000" algn="ctr" rotWithShape="0">
-                    <a:srgbClr val="6E747A">
-                      <a:alpha val="43000"/>
-                    </a:srgbClr>
-                  </a:outerShdw>
-                </a:effectLst>
-                <a:latin typeface="微软雅黑" panose="020B0503020204020204" pitchFamily="34" charset="-122"/>
-                <a:ea typeface="微软雅黑" panose="020B0503020204020204" pitchFamily="34" charset="-122"/>
-                <a:cs typeface="微软雅黑" panose="020B0503020204020204" pitchFamily="34" charset="-122"/>
-                <a:sym typeface="+mn-ea"/>
-              </a:rPr>
-              <a:t>import </a:t>
-            </a:r>
-            <a:r>
-              <a:rPr lang="zh-CN" altLang="en-US" sz="2000">
-                <a:solidFill>
-                  <a:srgbClr val="0070C0"/>
-                </a:solidFill>
-                <a:effectLst>
-                  <a:outerShdw blurRad="38100" dist="25400" dir="5400000" algn="ctr" rotWithShape="0">
-                    <a:srgbClr val="6E747A">
-                      <a:alpha val="43000"/>
-                    </a:srgbClr>
-                  </a:outerShdw>
-                </a:effectLst>
-                <a:latin typeface="微软雅黑" panose="020B0503020204020204" pitchFamily="34" charset="-122"/>
-                <a:ea typeface="微软雅黑" panose="020B0503020204020204" pitchFamily="34" charset="-122"/>
-                <a:cs typeface="微软雅黑" panose="020B0503020204020204" pitchFamily="34" charset="-122"/>
-                <a:sym typeface="+mn-ea"/>
-              </a:rPr>
-              <a:t>引入，</a:t>
-            </a:r>
-            <a:r>
-              <a:rPr lang="en-US" altLang="zh-CN" sz="2000">
-                <a:solidFill>
-                  <a:srgbClr val="0070C0"/>
-                </a:solidFill>
-                <a:effectLst>
-                  <a:outerShdw blurRad="38100" dist="25400" dir="5400000" algn="ctr" rotWithShape="0">
-                    <a:srgbClr val="6E747A">
-                      <a:alpha val="43000"/>
-                    </a:srgbClr>
-                  </a:outerShdw>
-                </a:effectLst>
-                <a:latin typeface="微软雅黑" panose="020B0503020204020204" pitchFamily="34" charset="-122"/>
-                <a:ea typeface="微软雅黑" panose="020B0503020204020204" pitchFamily="34" charset="-122"/>
-                <a:cs typeface="微软雅黑" panose="020B0503020204020204" pitchFamily="34" charset="-122"/>
-                <a:sym typeface="+mn-ea"/>
-              </a:rPr>
-              <a:t>turtle</a:t>
-            </a:r>
-            <a:r>
-              <a:rPr lang="zh-CN" altLang="en-US" sz="2000">
-                <a:solidFill>
-                  <a:srgbClr val="0070C0"/>
-                </a:solidFill>
-                <a:effectLst>
-                  <a:outerShdw blurRad="38100" dist="25400" dir="5400000" algn="ctr" rotWithShape="0">
-                    <a:srgbClr val="6E747A">
-                      <a:alpha val="43000"/>
-                    </a:srgbClr>
-                  </a:outerShdw>
-                </a:effectLst>
-                <a:latin typeface="微软雅黑" panose="020B0503020204020204" pitchFamily="34" charset="-122"/>
-                <a:ea typeface="微软雅黑" panose="020B0503020204020204" pitchFamily="34" charset="-122"/>
-                <a:cs typeface="微软雅黑" panose="020B0503020204020204" pitchFamily="34" charset="-122"/>
-                <a:sym typeface="+mn-ea"/>
-              </a:rPr>
-              <a:t>海龟库</a:t>
-            </a:r>
-            <a:endParaRPr lang="en-US" altLang="zh-CN" sz="2000">
-              <a:solidFill>
-                <a:srgbClr val="0070C0"/>
-              </a:solidFill>
-              <a:effectLst>
-                <a:outerShdw blurRad="38100" dist="25400" dir="5400000" algn="ctr" rotWithShape="0">
-                  <a:srgbClr val="6E747A">
-                    <a:alpha val="43000"/>
-                  </a:srgbClr>
-                </a:outerShdw>
-              </a:effectLst>
-              <a:latin typeface="微软雅黑" panose="020B0503020204020204" pitchFamily="34" charset="-122"/>
-              <a:ea typeface="微软雅黑" panose="020B0503020204020204" pitchFamily="34" charset="-122"/>
-              <a:cs typeface="微软雅黑" panose="020B0503020204020204" pitchFamily="34" charset="-122"/>
-              <a:sym typeface="+mn-ea"/>
-            </a:endParaRPr>
-          </a:p>
-          <a:p>
-            <a:pPr marL="0" indent="0" algn="l">
-              <a:lnSpc>
-                <a:spcPct val="200000"/>
-              </a:lnSpc>
-              <a:buFont typeface="Arial" panose="020B0604020202020204" pitchFamily="34" charset="0"/>
-              <a:buNone/>
-            </a:pPr>
-            <a:r>
-              <a:rPr lang="en-US" altLang="zh-CN" sz="2000">
-                <a:solidFill>
-                  <a:srgbClr val="0070C0"/>
-                </a:solidFill>
-                <a:effectLst>
-                  <a:outerShdw blurRad="38100" dist="25400" dir="5400000" algn="ctr" rotWithShape="0">
-                    <a:srgbClr val="6E747A">
-                      <a:alpha val="43000"/>
-                    </a:srgbClr>
-                  </a:outerShdw>
-                </a:effectLst>
-                <a:latin typeface="微软雅黑" panose="020B0503020204020204" pitchFamily="34" charset="-122"/>
-                <a:ea typeface="微软雅黑" panose="020B0503020204020204" pitchFamily="34" charset="-122"/>
-                <a:cs typeface="微软雅黑" panose="020B0503020204020204" pitchFamily="34" charset="-122"/>
-                <a:sym typeface="+mn-ea"/>
-              </a:rPr>
-              <a:t>import turtle</a:t>
-            </a:r>
-            <a:endParaRPr lang="en-US" altLang="zh-CN" sz="2000">
-              <a:solidFill>
-                <a:srgbClr val="0070C0"/>
-              </a:solidFill>
-              <a:effectLst>
-                <a:outerShdw blurRad="38100" dist="25400" dir="5400000" algn="ctr" rotWithShape="0">
-                  <a:srgbClr val="6E747A">
-                    <a:alpha val="43000"/>
-                  </a:srgbClr>
-                </a:outerShdw>
-              </a:effectLst>
-              <a:latin typeface="微软雅黑" panose="020B0503020204020204" pitchFamily="34" charset="-122"/>
-              <a:ea typeface="微软雅黑" panose="020B0503020204020204" pitchFamily="34" charset="-122"/>
-              <a:cs typeface="微软雅黑" panose="020B0503020204020204" pitchFamily="34" charset="-122"/>
-              <a:sym typeface="+mn-ea"/>
-            </a:endParaRPr>
-          </a:p>
-          <a:p>
-            <a:pPr marL="0" indent="0" algn="l">
-              <a:lnSpc>
-                <a:spcPct val="200000"/>
-              </a:lnSpc>
-              <a:buFont typeface="Arial" panose="020B0604020202020204" pitchFamily="34" charset="0"/>
-              <a:buNone/>
-            </a:pPr>
-            <a:r>
-              <a:rPr lang="en-US" altLang="zh-CN" sz="2000">
-                <a:solidFill>
-                  <a:srgbClr val="0070C0"/>
-                </a:solidFill>
-                <a:effectLst>
-                  <a:outerShdw blurRad="38100" dist="25400" dir="5400000" algn="ctr" rotWithShape="0">
-                    <a:srgbClr val="6E747A">
-                      <a:alpha val="43000"/>
-                    </a:srgbClr>
-                  </a:outerShdw>
-                </a:effectLst>
-                <a:latin typeface="微软雅黑" panose="020B0503020204020204" pitchFamily="34" charset="-122"/>
-                <a:ea typeface="微软雅黑" panose="020B0503020204020204" pitchFamily="34" charset="-122"/>
-                <a:cs typeface="微软雅黑" panose="020B0503020204020204" pitchFamily="34" charset="-122"/>
-                <a:sym typeface="+mn-ea"/>
-              </a:rPr>
-              <a:t>#</a:t>
-            </a:r>
-            <a:r>
-              <a:rPr lang="zh-CN" altLang="en-US" sz="2000">
-                <a:solidFill>
-                  <a:srgbClr val="0070C0"/>
-                </a:solidFill>
-                <a:effectLst>
-                  <a:outerShdw blurRad="38100" dist="25400" dir="5400000" algn="ctr" rotWithShape="0">
-                    <a:srgbClr val="6E747A">
-                      <a:alpha val="43000"/>
-                    </a:srgbClr>
-                  </a:outerShdw>
-                </a:effectLst>
-                <a:latin typeface="微软雅黑" panose="020B0503020204020204" pitchFamily="34" charset="-122"/>
-                <a:ea typeface="微软雅黑" panose="020B0503020204020204" pitchFamily="34" charset="-122"/>
-                <a:cs typeface="微软雅黑" panose="020B0503020204020204" pitchFamily="34" charset="-122"/>
-                <a:sym typeface="+mn-ea"/>
-              </a:rPr>
-              <a:t>设置海龟的样子</a:t>
-            </a:r>
-            <a:endParaRPr lang="en-US" altLang="zh-CN" sz="2000">
-              <a:solidFill>
-                <a:srgbClr val="0070C0"/>
-              </a:solidFill>
-              <a:effectLst>
-                <a:outerShdw blurRad="38100" dist="25400" dir="5400000" algn="ctr" rotWithShape="0">
-                  <a:srgbClr val="6E747A">
-                    <a:alpha val="43000"/>
-                  </a:srgbClr>
-                </a:outerShdw>
-              </a:effectLst>
-              <a:latin typeface="微软雅黑" panose="020B0503020204020204" pitchFamily="34" charset="-122"/>
-              <a:ea typeface="微软雅黑" panose="020B0503020204020204" pitchFamily="34" charset="-122"/>
-              <a:cs typeface="微软雅黑" panose="020B0503020204020204" pitchFamily="34" charset="-122"/>
-              <a:sym typeface="+mn-ea"/>
-            </a:endParaRPr>
-          </a:p>
-          <a:p>
-            <a:pPr marL="0" indent="0" algn="l">
-              <a:lnSpc>
-                <a:spcPct val="200000"/>
-              </a:lnSpc>
-              <a:buFont typeface="Arial" panose="020B0604020202020204" pitchFamily="34" charset="0"/>
-              <a:buNone/>
-            </a:pPr>
-            <a:r>
-              <a:rPr lang="zh-CN" altLang="en-US" sz="2000">
-                <a:solidFill>
-                  <a:srgbClr val="0070C0"/>
-                </a:solidFill>
-                <a:effectLst>
-                  <a:outerShdw blurRad="38100" dist="25400" dir="5400000" algn="ctr" rotWithShape="0">
-                    <a:srgbClr val="6E747A">
-                      <a:alpha val="43000"/>
-                    </a:srgbClr>
-                  </a:outerShdw>
-                </a:effectLst>
-                <a:latin typeface="微软雅黑" panose="020B0503020204020204" pitchFamily="34" charset="-122"/>
-                <a:ea typeface="微软雅黑" panose="020B0503020204020204" pitchFamily="34" charset="-122"/>
-                <a:cs typeface="微软雅黑" panose="020B0503020204020204" pitchFamily="34" charset="-122"/>
-                <a:sym typeface="+mn-ea"/>
-              </a:rPr>
-              <a:t>turtle.shape("turtle")</a:t>
-            </a:r>
-            <a:endParaRPr lang="zh-CN" altLang="en-US" sz="2000">
-              <a:solidFill>
-                <a:srgbClr val="0070C0"/>
-              </a:solidFill>
-              <a:effectLst>
-                <a:outerShdw blurRad="38100" dist="25400" dir="5400000" algn="ctr" rotWithShape="0">
-                  <a:srgbClr val="6E747A">
-                    <a:alpha val="43000"/>
-                  </a:srgbClr>
-                </a:outerShdw>
-              </a:effectLst>
-              <a:latin typeface="微软雅黑" panose="020B0503020204020204" pitchFamily="34" charset="-122"/>
-              <a:ea typeface="微软雅黑" panose="020B0503020204020204" pitchFamily="34" charset="-122"/>
-              <a:cs typeface="微软雅黑" panose="020B0503020204020204" pitchFamily="34" charset="-122"/>
-              <a:sym typeface="+mn-ea"/>
-            </a:endParaRPr>
-          </a:p>
-          <a:p>
-            <a:pPr indent="0" algn="l">
-              <a:buFont typeface="Arial" panose="020B0604020202020204" pitchFamily="34" charset="0"/>
-              <a:buNone/>
-            </a:pPr>
-            <a:endParaRPr lang="zh-CN" altLang="en-US" sz="2000">
-              <a:solidFill>
-                <a:srgbClr val="0070C0"/>
-              </a:solidFill>
-              <a:effectLst>
-                <a:outerShdw blurRad="38100" dist="25400" dir="5400000" algn="ctr" rotWithShape="0">
-                  <a:srgbClr val="6E747A">
-                    <a:alpha val="43000"/>
-                  </a:srgbClr>
-                </a:outerShdw>
-              </a:effectLst>
-              <a:latin typeface="微软雅黑" panose="020B0503020204020204" pitchFamily="34" charset="-122"/>
-              <a:ea typeface="微软雅黑" panose="020B0503020204020204" pitchFamily="34" charset="-122"/>
-              <a:cs typeface="微软雅黑" panose="020B0503020204020204" pitchFamily="34" charset="-122"/>
-              <a:sym typeface="+mn-ea"/>
-            </a:endParaRPr>
-          </a:p>
-        </p:txBody>
-      </p:sp>
       <p:pic>
         <p:nvPicPr>
           <p:cNvPr id="12" name="图片 11" descr="C:\Users\Administrator\Desktop\机器人图片\图片1.png图片1"/>
@@ -13541,13 +13759,13 @@
       </p:pic>
       <p:sp>
         <p:nvSpPr>
-          <p:cNvPr id="2" name="文本框 1"/>
+          <p:cNvPr id="3" name="文本框 2"/>
           <p:cNvSpPr txBox="1"/>
           <p:nvPr/>
         </p:nvSpPr>
         <p:spPr>
           <a:xfrm>
-            <a:off x="1800000" y="1080000"/>
+            <a:off x="1440000" y="1440000"/>
             <a:ext cx="3140710" cy="368300"/>
           </a:xfrm>
           <a:prstGeom prst="rect">
@@ -13566,7 +13784,356 @@
             </a:pPr>
             <a:r>
               <a:rPr lang="zh-CN" altLang="en-US"/>
-              <a:t>绘制箭头</a:t>
+              <a:t>绘制熊猫</a:t>
+            </a:r>
+            <a:endParaRPr lang="zh-CN" altLang="en-US"/>
+          </a:p>
+        </p:txBody>
+      </p:sp>
+      <p:sp>
+        <p:nvSpPr>
+          <p:cNvPr id="5" name="文本框 4"/>
+          <p:cNvSpPr txBox="1"/>
+          <p:nvPr/>
+        </p:nvSpPr>
+        <p:spPr>
+          <a:xfrm>
+            <a:off x="2880000" y="1080000"/>
+            <a:ext cx="5740400" cy="2861310"/>
+          </a:xfrm>
+          <a:prstGeom prst="rect">
+            <a:avLst/>
+          </a:prstGeom>
+          <a:noFill/>
+        </p:spPr>
+        <p:txBody>
+          <a:bodyPr wrap="square" rtlCol="0">
+            <a:spAutoFit/>
+          </a:bodyPr>
+          <a:p>
+            <a:pPr marL="0" indent="0" algn="l">
+              <a:lnSpc>
+                <a:spcPct val="200000"/>
+              </a:lnSpc>
+              <a:buFont typeface="Arial" panose="020B0604020202020204" pitchFamily="34" charset="0"/>
+              <a:buNone/>
+            </a:pPr>
+            <a:r>
+              <a:rPr lang="zh-CN" altLang="en-US" b="1">
+                <a:solidFill>
+                  <a:srgbClr val="FF0000"/>
+                </a:solidFill>
+                <a:effectLst>
+                  <a:outerShdw blurRad="38100" dist="25400" dir="5400000" algn="ctr" rotWithShape="0">
+                    <a:srgbClr val="6E747A">
+                      <a:alpha val="43000"/>
+                    </a:srgbClr>
+                  </a:outerShdw>
+                </a:effectLst>
+                <a:latin typeface="微软雅黑" panose="020B0503020204020204" pitchFamily="34" charset="-122"/>
+                <a:ea typeface="微软雅黑" panose="020B0503020204020204" pitchFamily="34" charset="-122"/>
+                <a:cs typeface="微软雅黑" panose="020B0503020204020204" pitchFamily="34" charset="-122"/>
+                <a:sym typeface="+mn-ea"/>
+              </a:rPr>
+              <a:t>例</a:t>
+            </a:r>
+            <a:r>
+              <a:rPr lang="en-US" altLang="zh-CN" b="1">
+                <a:solidFill>
+                  <a:srgbClr val="FF0000"/>
+                </a:solidFill>
+                <a:effectLst>
+                  <a:outerShdw blurRad="38100" dist="25400" dir="5400000" algn="ctr" rotWithShape="0">
+                    <a:srgbClr val="6E747A">
+                      <a:alpha val="43000"/>
+                    </a:srgbClr>
+                  </a:outerShdw>
+                </a:effectLst>
+                <a:latin typeface="微软雅黑" panose="020B0503020204020204" pitchFamily="34" charset="-122"/>
+                <a:ea typeface="微软雅黑" panose="020B0503020204020204" pitchFamily="34" charset="-122"/>
+                <a:cs typeface="微软雅黑" panose="020B0503020204020204" pitchFamily="34" charset="-122"/>
+                <a:sym typeface="+mn-ea"/>
+              </a:rPr>
+              <a:t>1</a:t>
+            </a:r>
+            <a:r>
+              <a:rPr lang="zh-CN" altLang="en-US" b="1">
+                <a:solidFill>
+                  <a:srgbClr val="FF0000"/>
+                </a:solidFill>
+                <a:effectLst>
+                  <a:outerShdw blurRad="38100" dist="25400" dir="5400000" algn="ctr" rotWithShape="0">
+                    <a:srgbClr val="6E747A">
+                      <a:alpha val="43000"/>
+                    </a:srgbClr>
+                  </a:outerShdw>
+                </a:effectLst>
+                <a:latin typeface="微软雅黑" panose="020B0503020204020204" pitchFamily="34" charset="-122"/>
+                <a:ea typeface="微软雅黑" panose="020B0503020204020204" pitchFamily="34" charset="-122"/>
+                <a:cs typeface="微软雅黑" panose="020B0503020204020204" pitchFamily="34" charset="-122"/>
+                <a:sym typeface="+mn-ea"/>
+              </a:rPr>
+              <a:t>：</a:t>
+            </a:r>
+            <a:endParaRPr lang="en-US" altLang="zh-CN">
+              <a:solidFill>
+                <a:schemeClr val="tx1"/>
+              </a:solidFill>
+              <a:effectLst>
+                <a:outerShdw blurRad="38100" dist="25400" dir="5400000" algn="ctr" rotWithShape="0">
+                  <a:srgbClr val="6E747A">
+                    <a:alpha val="43000"/>
+                  </a:srgbClr>
+                </a:outerShdw>
+              </a:effectLst>
+              <a:latin typeface="微软雅黑" panose="020B0503020204020204" pitchFamily="34" charset="-122"/>
+              <a:ea typeface="微软雅黑" panose="020B0503020204020204" pitchFamily="34" charset="-122"/>
+              <a:cs typeface="微软雅黑" panose="020B0503020204020204" pitchFamily="34" charset="-122"/>
+              <a:sym typeface="+mn-ea"/>
+            </a:endParaRPr>
+          </a:p>
+          <a:p>
+            <a:pPr marL="0" indent="0" algn="l">
+              <a:lnSpc>
+                <a:spcPct val="200000"/>
+              </a:lnSpc>
+              <a:buFont typeface="Arial" panose="020B0604020202020204" pitchFamily="34" charset="0"/>
+              <a:buNone/>
+            </a:pPr>
+            <a:r>
+              <a:rPr lang="en-US" altLang="zh-CN">
+                <a:effectLst>
+                  <a:outerShdw blurRad="38100" dist="25400" dir="5400000" algn="ctr" rotWithShape="0">
+                    <a:srgbClr val="6E747A">
+                      <a:alpha val="43000"/>
+                    </a:srgbClr>
+                  </a:outerShdw>
+                </a:effectLst>
+                <a:latin typeface="微软雅黑" panose="020B0503020204020204" pitchFamily="34" charset="-122"/>
+                <a:ea typeface="微软雅黑" panose="020B0503020204020204" pitchFamily="34" charset="-122"/>
+                <a:cs typeface="微软雅黑" panose="020B0503020204020204" pitchFamily="34" charset="-122"/>
+                <a:sym typeface="+mn-ea"/>
+              </a:rPr>
+              <a:t>#</a:t>
+            </a:r>
+            <a:r>
+              <a:rPr lang="zh-CN" altLang="en-US">
+                <a:effectLst>
+                  <a:outerShdw blurRad="38100" dist="25400" dir="5400000" algn="ctr" rotWithShape="0">
+                    <a:srgbClr val="6E747A">
+                      <a:alpha val="43000"/>
+                    </a:srgbClr>
+                  </a:outerShdw>
+                </a:effectLst>
+                <a:latin typeface="微软雅黑" panose="020B0503020204020204" pitchFamily="34" charset="-122"/>
+                <a:ea typeface="微软雅黑" panose="020B0503020204020204" pitchFamily="34" charset="-122"/>
+                <a:cs typeface="微软雅黑" panose="020B0503020204020204" pitchFamily="34" charset="-122"/>
+                <a:sym typeface="+mn-ea"/>
+              </a:rPr>
+              <a:t>引入海龟库，</a:t>
+            </a:r>
+            <a:r>
+              <a:rPr lang="en-US" altLang="zh-CN">
+                <a:effectLst>
+                  <a:outerShdw blurRad="38100" dist="25400" dir="5400000" algn="ctr" rotWithShape="0">
+                    <a:srgbClr val="6E747A">
+                      <a:alpha val="43000"/>
+                    </a:srgbClr>
+                  </a:outerShdw>
+                </a:effectLst>
+                <a:latin typeface="微软雅黑" panose="020B0503020204020204" pitchFamily="34" charset="-122"/>
+                <a:ea typeface="微软雅黑" panose="020B0503020204020204" pitchFamily="34" charset="-122"/>
+                <a:cs typeface="微软雅黑" panose="020B0503020204020204" pitchFamily="34" charset="-122"/>
+                <a:sym typeface="+mn-ea"/>
+              </a:rPr>
+              <a:t>import </a:t>
+            </a:r>
+            <a:r>
+              <a:rPr lang="zh-CN" altLang="en-US">
+                <a:effectLst>
+                  <a:outerShdw blurRad="38100" dist="25400" dir="5400000" algn="ctr" rotWithShape="0">
+                    <a:srgbClr val="6E747A">
+                      <a:alpha val="43000"/>
+                    </a:srgbClr>
+                  </a:outerShdw>
+                </a:effectLst>
+                <a:latin typeface="微软雅黑" panose="020B0503020204020204" pitchFamily="34" charset="-122"/>
+                <a:ea typeface="微软雅黑" panose="020B0503020204020204" pitchFamily="34" charset="-122"/>
+                <a:cs typeface="微软雅黑" panose="020B0503020204020204" pitchFamily="34" charset="-122"/>
+                <a:sym typeface="+mn-ea"/>
+              </a:rPr>
+              <a:t>引入，</a:t>
+            </a:r>
+            <a:r>
+              <a:rPr lang="en-US" altLang="zh-CN">
+                <a:effectLst>
+                  <a:outerShdw blurRad="38100" dist="25400" dir="5400000" algn="ctr" rotWithShape="0">
+                    <a:srgbClr val="6E747A">
+                      <a:alpha val="43000"/>
+                    </a:srgbClr>
+                  </a:outerShdw>
+                </a:effectLst>
+                <a:latin typeface="微软雅黑" panose="020B0503020204020204" pitchFamily="34" charset="-122"/>
+                <a:ea typeface="微软雅黑" panose="020B0503020204020204" pitchFamily="34" charset="-122"/>
+                <a:cs typeface="微软雅黑" panose="020B0503020204020204" pitchFamily="34" charset="-122"/>
+                <a:sym typeface="+mn-ea"/>
+              </a:rPr>
+              <a:t>turtle</a:t>
+            </a:r>
+            <a:r>
+              <a:rPr lang="zh-CN" altLang="en-US">
+                <a:effectLst>
+                  <a:outerShdw blurRad="38100" dist="25400" dir="5400000" algn="ctr" rotWithShape="0">
+                    <a:srgbClr val="6E747A">
+                      <a:alpha val="43000"/>
+                    </a:srgbClr>
+                  </a:outerShdw>
+                </a:effectLst>
+                <a:latin typeface="微软雅黑" panose="020B0503020204020204" pitchFamily="34" charset="-122"/>
+                <a:ea typeface="微软雅黑" panose="020B0503020204020204" pitchFamily="34" charset="-122"/>
+                <a:cs typeface="微软雅黑" panose="020B0503020204020204" pitchFamily="34" charset="-122"/>
+                <a:sym typeface="+mn-ea"/>
+              </a:rPr>
+              <a:t>海龟库</a:t>
+            </a:r>
+            <a:endParaRPr lang="en-US" altLang="zh-CN">
+              <a:solidFill>
+                <a:schemeClr val="tx1"/>
+              </a:solidFill>
+              <a:effectLst>
+                <a:outerShdw blurRad="38100" dist="25400" dir="5400000" algn="ctr" rotWithShape="0">
+                  <a:srgbClr val="6E747A">
+                    <a:alpha val="43000"/>
+                  </a:srgbClr>
+                </a:outerShdw>
+              </a:effectLst>
+              <a:latin typeface="微软雅黑" panose="020B0503020204020204" pitchFamily="34" charset="-122"/>
+              <a:ea typeface="微软雅黑" panose="020B0503020204020204" pitchFamily="34" charset="-122"/>
+              <a:cs typeface="微软雅黑" panose="020B0503020204020204" pitchFamily="34" charset="-122"/>
+              <a:sym typeface="+mn-ea"/>
+            </a:endParaRPr>
+          </a:p>
+          <a:p>
+            <a:pPr marL="0" indent="0" algn="l">
+              <a:lnSpc>
+                <a:spcPct val="200000"/>
+              </a:lnSpc>
+              <a:buFont typeface="Arial" panose="020B0604020202020204" pitchFamily="34" charset="0"/>
+              <a:buNone/>
+            </a:pPr>
+            <a:r>
+              <a:rPr lang="en-US" altLang="zh-CN">
+                <a:effectLst>
+                  <a:outerShdw blurRad="38100" dist="25400" dir="5400000" algn="ctr" rotWithShape="0">
+                    <a:srgbClr val="6E747A">
+                      <a:alpha val="43000"/>
+                    </a:srgbClr>
+                  </a:outerShdw>
+                </a:effectLst>
+                <a:latin typeface="微软雅黑" panose="020B0503020204020204" pitchFamily="34" charset="-122"/>
+                <a:ea typeface="微软雅黑" panose="020B0503020204020204" pitchFamily="34" charset="-122"/>
+                <a:cs typeface="微软雅黑" panose="020B0503020204020204" pitchFamily="34" charset="-122"/>
+                <a:sym typeface="+mn-ea"/>
+              </a:rPr>
+              <a:t>import turtle</a:t>
+            </a:r>
+            <a:endParaRPr lang="en-US" altLang="zh-CN">
+              <a:solidFill>
+                <a:schemeClr val="tx1"/>
+              </a:solidFill>
+              <a:effectLst>
+                <a:outerShdw blurRad="38100" dist="25400" dir="5400000" algn="ctr" rotWithShape="0">
+                  <a:srgbClr val="6E747A">
+                    <a:alpha val="43000"/>
+                  </a:srgbClr>
+                </a:outerShdw>
+              </a:effectLst>
+              <a:latin typeface="微软雅黑" panose="020B0503020204020204" pitchFamily="34" charset="-122"/>
+              <a:ea typeface="微软雅黑" panose="020B0503020204020204" pitchFamily="34" charset="-122"/>
+              <a:cs typeface="微软雅黑" panose="020B0503020204020204" pitchFamily="34" charset="-122"/>
+              <a:sym typeface="+mn-ea"/>
+            </a:endParaRPr>
+          </a:p>
+          <a:p>
+            <a:pPr marL="0" indent="0" algn="l">
+              <a:lnSpc>
+                <a:spcPct val="200000"/>
+              </a:lnSpc>
+              <a:buFont typeface="Arial" panose="020B0604020202020204" pitchFamily="34" charset="0"/>
+              <a:buNone/>
+            </a:pPr>
+            <a:r>
+              <a:rPr lang="en-US" altLang="zh-CN">
+                <a:effectLst>
+                  <a:outerShdw blurRad="38100" dist="25400" dir="5400000" algn="ctr" rotWithShape="0">
+                    <a:srgbClr val="6E747A">
+                      <a:alpha val="43000"/>
+                    </a:srgbClr>
+                  </a:outerShdw>
+                </a:effectLst>
+                <a:latin typeface="微软雅黑" panose="020B0503020204020204" pitchFamily="34" charset="-122"/>
+                <a:ea typeface="微软雅黑" panose="020B0503020204020204" pitchFamily="34" charset="-122"/>
+                <a:cs typeface="微软雅黑" panose="020B0503020204020204" pitchFamily="34" charset="-122"/>
+                <a:sym typeface="+mn-ea"/>
+              </a:rPr>
+              <a:t>#</a:t>
+            </a:r>
+            <a:r>
+              <a:rPr lang="zh-CN" altLang="en-US">
+                <a:effectLst>
+                  <a:outerShdw blurRad="38100" dist="25400" dir="5400000" algn="ctr" rotWithShape="0">
+                    <a:srgbClr val="6E747A">
+                      <a:alpha val="43000"/>
+                    </a:srgbClr>
+                  </a:outerShdw>
+                </a:effectLst>
+                <a:latin typeface="微软雅黑" panose="020B0503020204020204" pitchFamily="34" charset="-122"/>
+                <a:ea typeface="微软雅黑" panose="020B0503020204020204" pitchFamily="34" charset="-122"/>
+                <a:cs typeface="微软雅黑" panose="020B0503020204020204" pitchFamily="34" charset="-122"/>
+                <a:sym typeface="+mn-ea"/>
+              </a:rPr>
+              <a:t>设置海龟的样子</a:t>
+            </a:r>
+            <a:endParaRPr lang="en-US" altLang="zh-CN">
+              <a:solidFill>
+                <a:schemeClr val="tx1"/>
+              </a:solidFill>
+              <a:effectLst>
+                <a:outerShdw blurRad="38100" dist="25400" dir="5400000" algn="ctr" rotWithShape="0">
+                  <a:srgbClr val="6E747A">
+                    <a:alpha val="43000"/>
+                  </a:srgbClr>
+                </a:outerShdw>
+              </a:effectLst>
+              <a:latin typeface="微软雅黑" panose="020B0503020204020204" pitchFamily="34" charset="-122"/>
+              <a:ea typeface="微软雅黑" panose="020B0503020204020204" pitchFamily="34" charset="-122"/>
+              <a:cs typeface="微软雅黑" panose="020B0503020204020204" pitchFamily="34" charset="-122"/>
+              <a:sym typeface="+mn-ea"/>
+            </a:endParaRPr>
+          </a:p>
+          <a:p>
+            <a:pPr marL="0" indent="0" algn="l">
+              <a:lnSpc>
+                <a:spcPct val="200000"/>
+              </a:lnSpc>
+              <a:buFont typeface="Arial" panose="020B0604020202020204" pitchFamily="34" charset="0"/>
+              <a:buNone/>
+            </a:pPr>
+            <a:r>
+              <a:rPr lang="zh-CN" altLang="en-US">
+                <a:effectLst>
+                  <a:outerShdw blurRad="38100" dist="25400" dir="5400000" algn="ctr" rotWithShape="0">
+                    <a:srgbClr val="6E747A">
+                      <a:alpha val="43000"/>
+                    </a:srgbClr>
+                  </a:outerShdw>
+                </a:effectLst>
+                <a:latin typeface="微软雅黑" panose="020B0503020204020204" pitchFamily="34" charset="-122"/>
+                <a:ea typeface="微软雅黑" panose="020B0503020204020204" pitchFamily="34" charset="-122"/>
+                <a:cs typeface="微软雅黑" panose="020B0503020204020204" pitchFamily="34" charset="-122"/>
+                <a:sym typeface="+mn-ea"/>
+              </a:rPr>
+              <a:t>turtle.shape("turtle")</a:t>
             </a:r>
             <a:endParaRPr lang="zh-CN" altLang="en-US"/>
           </a:p>
@@ -13800,8 +14367,8 @@
         </p:nvSpPr>
         <p:spPr>
           <a:xfrm>
-            <a:off x="1800000" y="1800000"/>
-            <a:ext cx="8989695" cy="3476625"/>
+            <a:off x="2880000" y="1080000"/>
+            <a:ext cx="8989695" cy="1014730"/>
           </a:xfrm>
           <a:prstGeom prst="rect">
             <a:avLst/>
@@ -13820,296 +14387,6 @@
               <a:buFont typeface="Arial" panose="020B0604020202020204" pitchFamily="34" charset="0"/>
               <a:buNone/>
             </a:pPr>
-            <a:r>
-              <a:rPr lang="en-US" altLang="zh-CN" sz="2000">
-                <a:solidFill>
-                  <a:srgbClr val="0070C0"/>
-                </a:solidFill>
-                <a:effectLst>
-                  <a:outerShdw blurRad="38100" dist="25400" dir="5400000" algn="ctr" rotWithShape="0">
-                    <a:srgbClr val="6E747A">
-                      <a:alpha val="43000"/>
-                    </a:srgbClr>
-                  </a:outerShdw>
-                </a:effectLst>
-                <a:latin typeface="微软雅黑" panose="020B0503020204020204" pitchFamily="34" charset="-122"/>
-                <a:ea typeface="微软雅黑" panose="020B0503020204020204" pitchFamily="34" charset="-122"/>
-                <a:cs typeface="微软雅黑" panose="020B0503020204020204" pitchFamily="34" charset="-122"/>
-                <a:sym typeface="+mn-ea"/>
-              </a:rPr>
-              <a:t>#</a:t>
-            </a:r>
-            <a:r>
-              <a:rPr lang="zh-CN" altLang="en-US" sz="2000">
-                <a:solidFill>
-                  <a:srgbClr val="0070C0"/>
-                </a:solidFill>
-                <a:effectLst>
-                  <a:outerShdw blurRad="38100" dist="25400" dir="5400000" algn="ctr" rotWithShape="0">
-                    <a:srgbClr val="6E747A">
-                      <a:alpha val="43000"/>
-                    </a:srgbClr>
-                  </a:outerShdw>
-                </a:effectLst>
-                <a:latin typeface="微软雅黑" panose="020B0503020204020204" pitchFamily="34" charset="-122"/>
-                <a:ea typeface="微软雅黑" panose="020B0503020204020204" pitchFamily="34" charset="-122"/>
-                <a:cs typeface="微软雅黑" panose="020B0503020204020204" pitchFamily="34" charset="-122"/>
-                <a:sym typeface="+mn-ea"/>
-              </a:rPr>
-              <a:t>引入海龟库，</a:t>
-            </a:r>
-            <a:r>
-              <a:rPr lang="en-US" altLang="zh-CN" sz="2000">
-                <a:solidFill>
-                  <a:srgbClr val="0070C0"/>
-                </a:solidFill>
-                <a:effectLst>
-                  <a:outerShdw blurRad="38100" dist="25400" dir="5400000" algn="ctr" rotWithShape="0">
-                    <a:srgbClr val="6E747A">
-                      <a:alpha val="43000"/>
-                    </a:srgbClr>
-                  </a:outerShdw>
-                </a:effectLst>
-                <a:latin typeface="微软雅黑" panose="020B0503020204020204" pitchFamily="34" charset="-122"/>
-                <a:ea typeface="微软雅黑" panose="020B0503020204020204" pitchFamily="34" charset="-122"/>
-                <a:cs typeface="微软雅黑" panose="020B0503020204020204" pitchFamily="34" charset="-122"/>
-                <a:sym typeface="+mn-ea"/>
-              </a:rPr>
-              <a:t>import </a:t>
-            </a:r>
-            <a:r>
-              <a:rPr lang="zh-CN" altLang="en-US" sz="2000">
-                <a:solidFill>
-                  <a:srgbClr val="0070C0"/>
-                </a:solidFill>
-                <a:effectLst>
-                  <a:outerShdw blurRad="38100" dist="25400" dir="5400000" algn="ctr" rotWithShape="0">
-                    <a:srgbClr val="6E747A">
-                      <a:alpha val="43000"/>
-                    </a:srgbClr>
-                  </a:outerShdw>
-                </a:effectLst>
-                <a:latin typeface="微软雅黑" panose="020B0503020204020204" pitchFamily="34" charset="-122"/>
-                <a:ea typeface="微软雅黑" panose="020B0503020204020204" pitchFamily="34" charset="-122"/>
-                <a:cs typeface="微软雅黑" panose="020B0503020204020204" pitchFamily="34" charset="-122"/>
-                <a:sym typeface="+mn-ea"/>
-              </a:rPr>
-              <a:t>引入，</a:t>
-            </a:r>
-            <a:r>
-              <a:rPr lang="en-US" altLang="zh-CN" sz="2000">
-                <a:solidFill>
-                  <a:srgbClr val="0070C0"/>
-                </a:solidFill>
-                <a:effectLst>
-                  <a:outerShdw blurRad="38100" dist="25400" dir="5400000" algn="ctr" rotWithShape="0">
-                    <a:srgbClr val="6E747A">
-                      <a:alpha val="43000"/>
-                    </a:srgbClr>
-                  </a:outerShdw>
-                </a:effectLst>
-                <a:latin typeface="微软雅黑" panose="020B0503020204020204" pitchFamily="34" charset="-122"/>
-                <a:ea typeface="微软雅黑" panose="020B0503020204020204" pitchFamily="34" charset="-122"/>
-                <a:cs typeface="微软雅黑" panose="020B0503020204020204" pitchFamily="34" charset="-122"/>
-                <a:sym typeface="+mn-ea"/>
-              </a:rPr>
-              <a:t>turtle</a:t>
-            </a:r>
-            <a:r>
-              <a:rPr lang="zh-CN" altLang="en-US" sz="2000">
-                <a:solidFill>
-                  <a:srgbClr val="0070C0"/>
-                </a:solidFill>
-                <a:effectLst>
-                  <a:outerShdw blurRad="38100" dist="25400" dir="5400000" algn="ctr" rotWithShape="0">
-                    <a:srgbClr val="6E747A">
-                      <a:alpha val="43000"/>
-                    </a:srgbClr>
-                  </a:outerShdw>
-                </a:effectLst>
-                <a:latin typeface="微软雅黑" panose="020B0503020204020204" pitchFamily="34" charset="-122"/>
-                <a:ea typeface="微软雅黑" panose="020B0503020204020204" pitchFamily="34" charset="-122"/>
-                <a:cs typeface="微软雅黑" panose="020B0503020204020204" pitchFamily="34" charset="-122"/>
-                <a:sym typeface="+mn-ea"/>
-              </a:rPr>
-              <a:t>海龟库</a:t>
-            </a:r>
-            <a:endParaRPr lang="en-US" altLang="zh-CN" sz="2000">
-              <a:solidFill>
-                <a:srgbClr val="0070C0"/>
-              </a:solidFill>
-              <a:effectLst>
-                <a:outerShdw blurRad="38100" dist="25400" dir="5400000" algn="ctr" rotWithShape="0">
-                  <a:srgbClr val="6E747A">
-                    <a:alpha val="43000"/>
-                  </a:srgbClr>
-                </a:outerShdw>
-              </a:effectLst>
-              <a:latin typeface="微软雅黑" panose="020B0503020204020204" pitchFamily="34" charset="-122"/>
-              <a:ea typeface="微软雅黑" panose="020B0503020204020204" pitchFamily="34" charset="-122"/>
-              <a:cs typeface="微软雅黑" panose="020B0503020204020204" pitchFamily="34" charset="-122"/>
-              <a:sym typeface="+mn-ea"/>
-            </a:endParaRPr>
-          </a:p>
-          <a:p>
-            <a:pPr marL="0" indent="0" algn="l">
-              <a:lnSpc>
-                <a:spcPct val="200000"/>
-              </a:lnSpc>
-              <a:buFont typeface="Arial" panose="020B0604020202020204" pitchFamily="34" charset="0"/>
-              <a:buNone/>
-            </a:pPr>
-            <a:r>
-              <a:rPr lang="en-US" altLang="zh-CN" sz="2000">
-                <a:solidFill>
-                  <a:srgbClr val="0070C0"/>
-                </a:solidFill>
-                <a:effectLst>
-                  <a:outerShdw blurRad="38100" dist="25400" dir="5400000" algn="ctr" rotWithShape="0">
-                    <a:srgbClr val="6E747A">
-                      <a:alpha val="43000"/>
-                    </a:srgbClr>
-                  </a:outerShdw>
-                </a:effectLst>
-                <a:latin typeface="微软雅黑" panose="020B0503020204020204" pitchFamily="34" charset="-122"/>
-                <a:ea typeface="微软雅黑" panose="020B0503020204020204" pitchFamily="34" charset="-122"/>
-                <a:cs typeface="微软雅黑" panose="020B0503020204020204" pitchFamily="34" charset="-122"/>
-                <a:sym typeface="+mn-ea"/>
-              </a:rPr>
-              <a:t>import turtle</a:t>
-            </a:r>
-            <a:endParaRPr sz="2000">
-              <a:solidFill>
-                <a:srgbClr val="0070C0"/>
-              </a:solidFill>
-              <a:effectLst>
-                <a:outerShdw blurRad="38100" dist="25400" dir="5400000" algn="ctr" rotWithShape="0">
-                  <a:srgbClr val="6E747A">
-                    <a:alpha val="43000"/>
-                  </a:srgbClr>
-                </a:outerShdw>
-              </a:effectLst>
-              <a:latin typeface="微软雅黑" panose="020B0503020204020204" pitchFamily="34" charset="-122"/>
-              <a:ea typeface="微软雅黑" panose="020B0503020204020204" pitchFamily="34" charset="-122"/>
-              <a:cs typeface="微软雅黑" panose="020B0503020204020204" pitchFamily="34" charset="-122"/>
-              <a:sym typeface="+mn-ea"/>
-            </a:endParaRPr>
-          </a:p>
-          <a:p>
-            <a:pPr marL="0" indent="0" algn="l">
-              <a:lnSpc>
-                <a:spcPct val="200000"/>
-              </a:lnSpc>
-              <a:buFont typeface="Arial" panose="020B0604020202020204" pitchFamily="34" charset="0"/>
-              <a:buNone/>
-            </a:pPr>
-            <a:r>
-              <a:rPr sz="2000">
-                <a:solidFill>
-                  <a:srgbClr val="0070C0"/>
-                </a:solidFill>
-                <a:effectLst>
-                  <a:outerShdw blurRad="38100" dist="25400" dir="5400000" algn="ctr" rotWithShape="0">
-                    <a:srgbClr val="6E747A">
-                      <a:alpha val="43000"/>
-                    </a:srgbClr>
-                  </a:outerShdw>
-                </a:effectLst>
-                <a:latin typeface="微软雅黑" panose="020B0503020204020204" pitchFamily="34" charset="-122"/>
-                <a:ea typeface="微软雅黑" panose="020B0503020204020204" pitchFamily="34" charset="-122"/>
-                <a:cs typeface="微软雅黑" panose="020B0503020204020204" pitchFamily="34" charset="-122"/>
-                <a:sym typeface="+mn-ea"/>
-              </a:rPr>
-              <a:t>#把海龟改为熊猫</a:t>
-            </a:r>
-            <a:endParaRPr sz="2000">
-              <a:solidFill>
-                <a:srgbClr val="0070C0"/>
-              </a:solidFill>
-              <a:effectLst>
-                <a:outerShdw blurRad="38100" dist="25400" dir="5400000" algn="ctr" rotWithShape="0">
-                  <a:srgbClr val="6E747A">
-                    <a:alpha val="43000"/>
-                  </a:srgbClr>
-                </a:outerShdw>
-              </a:effectLst>
-              <a:latin typeface="微软雅黑" panose="020B0503020204020204" pitchFamily="34" charset="-122"/>
-              <a:ea typeface="微软雅黑" panose="020B0503020204020204" pitchFamily="34" charset="-122"/>
-              <a:cs typeface="微软雅黑" panose="020B0503020204020204" pitchFamily="34" charset="-122"/>
-              <a:sym typeface="+mn-ea"/>
-            </a:endParaRPr>
-          </a:p>
-          <a:p>
-            <a:pPr marL="0" indent="0" algn="l">
-              <a:lnSpc>
-                <a:spcPct val="200000"/>
-              </a:lnSpc>
-              <a:buFont typeface="Arial" panose="020B0604020202020204" pitchFamily="34" charset="0"/>
-              <a:buNone/>
-            </a:pPr>
-            <a:r>
-              <a:rPr sz="2000">
-                <a:solidFill>
-                  <a:srgbClr val="0070C0"/>
-                </a:solidFill>
-                <a:effectLst>
-                  <a:outerShdw blurRad="38100" dist="25400" dir="5400000" algn="ctr" rotWithShape="0">
-                    <a:srgbClr val="6E747A">
-                      <a:alpha val="43000"/>
-                    </a:srgbClr>
-                  </a:outerShdw>
-                </a:effectLst>
-                <a:latin typeface="微软雅黑" panose="020B0503020204020204" pitchFamily="34" charset="-122"/>
-                <a:ea typeface="微软雅黑" panose="020B0503020204020204" pitchFamily="34" charset="-122"/>
-                <a:cs typeface="微软雅黑" panose="020B0503020204020204" pitchFamily="34" charset="-122"/>
-                <a:sym typeface="+mn-ea"/>
-              </a:rPr>
-              <a:t>turtle.register_shape('panda.gif')</a:t>
-            </a:r>
-            <a:endParaRPr sz="2000">
-              <a:solidFill>
-                <a:srgbClr val="0070C0"/>
-              </a:solidFill>
-              <a:effectLst>
-                <a:outerShdw blurRad="38100" dist="25400" dir="5400000" algn="ctr" rotWithShape="0">
-                  <a:srgbClr val="6E747A">
-                    <a:alpha val="43000"/>
-                  </a:srgbClr>
-                </a:outerShdw>
-              </a:effectLst>
-              <a:latin typeface="微软雅黑" panose="020B0503020204020204" pitchFamily="34" charset="-122"/>
-              <a:ea typeface="微软雅黑" panose="020B0503020204020204" pitchFamily="34" charset="-122"/>
-              <a:cs typeface="微软雅黑" panose="020B0503020204020204" pitchFamily="34" charset="-122"/>
-              <a:sym typeface="+mn-ea"/>
-            </a:endParaRPr>
-          </a:p>
-          <a:p>
-            <a:pPr marL="0" indent="0" algn="l">
-              <a:lnSpc>
-                <a:spcPct val="200000"/>
-              </a:lnSpc>
-              <a:buFont typeface="Arial" panose="020B0604020202020204" pitchFamily="34" charset="0"/>
-              <a:buNone/>
-            </a:pPr>
-            <a:r>
-              <a:rPr sz="2000">
-                <a:solidFill>
-                  <a:srgbClr val="0070C0"/>
-                </a:solidFill>
-                <a:effectLst>
-                  <a:outerShdw blurRad="38100" dist="25400" dir="5400000" algn="ctr" rotWithShape="0">
-                    <a:srgbClr val="6E747A">
-                      <a:alpha val="43000"/>
-                    </a:srgbClr>
-                  </a:outerShdw>
-                </a:effectLst>
-                <a:latin typeface="微软雅黑" panose="020B0503020204020204" pitchFamily="34" charset="-122"/>
-                <a:ea typeface="微软雅黑" panose="020B0503020204020204" pitchFamily="34" charset="-122"/>
-                <a:cs typeface="微软雅黑" panose="020B0503020204020204" pitchFamily="34" charset="-122"/>
-                <a:sym typeface="+mn-ea"/>
-              </a:rPr>
-              <a:t>turtle.shape('panda.gif')</a:t>
-            </a:r>
             <a:endParaRPr sz="2000">
               <a:solidFill>
                 <a:srgbClr val="0070C0"/>
@@ -14198,7 +14475,7 @@
         </p:nvSpPr>
         <p:spPr>
           <a:xfrm>
-            <a:off x="1800000" y="1080000"/>
+            <a:off x="1440000" y="1440000"/>
             <a:ext cx="3140710" cy="368300"/>
           </a:xfrm>
           <a:prstGeom prst="rect">
@@ -14218,6 +14495,296 @@
             <a:r>
               <a:rPr lang="zh-CN" altLang="en-US"/>
               <a:t>绘制熊猫</a:t>
+            </a:r>
+            <a:endParaRPr lang="zh-CN" altLang="en-US"/>
+          </a:p>
+        </p:txBody>
+      </p:sp>
+      <p:sp>
+        <p:nvSpPr>
+          <p:cNvPr id="3" name="文本框 2"/>
+          <p:cNvSpPr txBox="1"/>
+          <p:nvPr/>
+        </p:nvSpPr>
+        <p:spPr>
+          <a:xfrm>
+            <a:off x="2880000" y="1080000"/>
+            <a:ext cx="4714875" cy="3415030"/>
+          </a:xfrm>
+          <a:prstGeom prst="rect">
+            <a:avLst/>
+          </a:prstGeom>
+          <a:noFill/>
+        </p:spPr>
+        <p:txBody>
+          <a:bodyPr wrap="square" rtlCol="0">
+            <a:spAutoFit/>
+          </a:bodyPr>
+          <a:p>
+            <a:pPr marL="0" indent="0" algn="l">
+              <a:lnSpc>
+                <a:spcPct val="200000"/>
+              </a:lnSpc>
+              <a:buFont typeface="Arial" panose="020B0604020202020204" pitchFamily="34" charset="0"/>
+              <a:buNone/>
+            </a:pPr>
+            <a:r>
+              <a:rPr lang="zh-CN" altLang="en-US" b="1">
+                <a:solidFill>
+                  <a:srgbClr val="FF0000"/>
+                </a:solidFill>
+                <a:effectLst>
+                  <a:outerShdw blurRad="38100" dist="25400" dir="5400000" algn="ctr" rotWithShape="0">
+                    <a:srgbClr val="6E747A">
+                      <a:alpha val="43000"/>
+                    </a:srgbClr>
+                  </a:outerShdw>
+                </a:effectLst>
+                <a:latin typeface="微软雅黑" panose="020B0503020204020204" pitchFamily="34" charset="-122"/>
+                <a:ea typeface="微软雅黑" panose="020B0503020204020204" pitchFamily="34" charset="-122"/>
+                <a:cs typeface="微软雅黑" panose="020B0503020204020204" pitchFamily="34" charset="-122"/>
+                <a:sym typeface="+mn-ea"/>
+              </a:rPr>
+              <a:t>例</a:t>
+            </a:r>
+            <a:r>
+              <a:rPr lang="en-US" altLang="zh-CN" b="1">
+                <a:solidFill>
+                  <a:srgbClr val="FF0000"/>
+                </a:solidFill>
+                <a:effectLst>
+                  <a:outerShdw blurRad="38100" dist="25400" dir="5400000" algn="ctr" rotWithShape="0">
+                    <a:srgbClr val="6E747A">
+                      <a:alpha val="43000"/>
+                    </a:srgbClr>
+                  </a:outerShdw>
+                </a:effectLst>
+                <a:latin typeface="微软雅黑" panose="020B0503020204020204" pitchFamily="34" charset="-122"/>
+                <a:ea typeface="微软雅黑" panose="020B0503020204020204" pitchFamily="34" charset="-122"/>
+                <a:cs typeface="微软雅黑" panose="020B0503020204020204" pitchFamily="34" charset="-122"/>
+                <a:sym typeface="+mn-ea"/>
+              </a:rPr>
+              <a:t>2</a:t>
+            </a:r>
+            <a:r>
+              <a:rPr lang="zh-CN" altLang="en-US" b="1">
+                <a:solidFill>
+                  <a:srgbClr val="FF0000"/>
+                </a:solidFill>
+                <a:effectLst>
+                  <a:outerShdw blurRad="38100" dist="25400" dir="5400000" algn="ctr" rotWithShape="0">
+                    <a:srgbClr val="6E747A">
+                      <a:alpha val="43000"/>
+                    </a:srgbClr>
+                  </a:outerShdw>
+                </a:effectLst>
+                <a:latin typeface="微软雅黑" panose="020B0503020204020204" pitchFamily="34" charset="-122"/>
+                <a:ea typeface="微软雅黑" panose="020B0503020204020204" pitchFamily="34" charset="-122"/>
+                <a:cs typeface="微软雅黑" panose="020B0503020204020204" pitchFamily="34" charset="-122"/>
+                <a:sym typeface="+mn-ea"/>
+              </a:rPr>
+              <a:t>：</a:t>
+            </a:r>
+            <a:endParaRPr lang="en-US" altLang="zh-CN">
+              <a:solidFill>
+                <a:srgbClr val="0070C0"/>
+              </a:solidFill>
+              <a:effectLst>
+                <a:outerShdw blurRad="38100" dist="25400" dir="5400000" algn="ctr" rotWithShape="0">
+                  <a:srgbClr val="6E747A">
+                    <a:alpha val="43000"/>
+                  </a:srgbClr>
+                </a:outerShdw>
+              </a:effectLst>
+              <a:latin typeface="微软雅黑" panose="020B0503020204020204" pitchFamily="34" charset="-122"/>
+              <a:ea typeface="微软雅黑" panose="020B0503020204020204" pitchFamily="34" charset="-122"/>
+              <a:cs typeface="微软雅黑" panose="020B0503020204020204" pitchFamily="34" charset="-122"/>
+              <a:sym typeface="+mn-ea"/>
+            </a:endParaRPr>
+          </a:p>
+          <a:p>
+            <a:pPr marL="0" indent="0" algn="l">
+              <a:lnSpc>
+                <a:spcPct val="200000"/>
+              </a:lnSpc>
+              <a:buFont typeface="Arial" panose="020B0604020202020204" pitchFamily="34" charset="0"/>
+              <a:buNone/>
+            </a:pPr>
+            <a:r>
+              <a:rPr lang="en-US" altLang="zh-CN">
+                <a:effectLst/>
+                <a:latin typeface="微软雅黑" panose="020B0503020204020204" pitchFamily="34" charset="-122"/>
+                <a:ea typeface="微软雅黑" panose="020B0503020204020204" pitchFamily="34" charset="-122"/>
+                <a:cs typeface="微软雅黑" panose="020B0503020204020204" pitchFamily="34" charset="-122"/>
+                <a:sym typeface="+mn-ea"/>
+              </a:rPr>
+              <a:t>#</a:t>
+            </a:r>
+            <a:r>
+              <a:rPr lang="zh-CN" altLang="en-US">
+                <a:effectLst/>
+                <a:latin typeface="微软雅黑" panose="020B0503020204020204" pitchFamily="34" charset="-122"/>
+                <a:ea typeface="微软雅黑" panose="020B0503020204020204" pitchFamily="34" charset="-122"/>
+                <a:cs typeface="微软雅黑" panose="020B0503020204020204" pitchFamily="34" charset="-122"/>
+                <a:sym typeface="+mn-ea"/>
+              </a:rPr>
+              <a:t>引入海龟库，</a:t>
+            </a:r>
+            <a:r>
+              <a:rPr lang="en-US" altLang="zh-CN">
+                <a:effectLst/>
+                <a:latin typeface="微软雅黑" panose="020B0503020204020204" pitchFamily="34" charset="-122"/>
+                <a:ea typeface="微软雅黑" panose="020B0503020204020204" pitchFamily="34" charset="-122"/>
+                <a:cs typeface="微软雅黑" panose="020B0503020204020204" pitchFamily="34" charset="-122"/>
+                <a:sym typeface="+mn-ea"/>
+              </a:rPr>
+              <a:t>import </a:t>
+            </a:r>
+            <a:r>
+              <a:rPr lang="zh-CN" altLang="en-US">
+                <a:effectLst/>
+                <a:latin typeface="微软雅黑" panose="020B0503020204020204" pitchFamily="34" charset="-122"/>
+                <a:ea typeface="微软雅黑" panose="020B0503020204020204" pitchFamily="34" charset="-122"/>
+                <a:cs typeface="微软雅黑" panose="020B0503020204020204" pitchFamily="34" charset="-122"/>
+                <a:sym typeface="+mn-ea"/>
+              </a:rPr>
+              <a:t>引入，</a:t>
+            </a:r>
+            <a:r>
+              <a:rPr lang="en-US" altLang="zh-CN">
+                <a:effectLst/>
+                <a:latin typeface="微软雅黑" panose="020B0503020204020204" pitchFamily="34" charset="-122"/>
+                <a:ea typeface="微软雅黑" panose="020B0503020204020204" pitchFamily="34" charset="-122"/>
+                <a:cs typeface="微软雅黑" panose="020B0503020204020204" pitchFamily="34" charset="-122"/>
+                <a:sym typeface="+mn-ea"/>
+              </a:rPr>
+              <a:t>turtle</a:t>
+            </a:r>
+            <a:r>
+              <a:rPr lang="zh-CN" altLang="en-US">
+                <a:effectLst/>
+                <a:latin typeface="微软雅黑" panose="020B0503020204020204" pitchFamily="34" charset="-122"/>
+                <a:ea typeface="微软雅黑" panose="020B0503020204020204" pitchFamily="34" charset="-122"/>
+                <a:cs typeface="微软雅黑" panose="020B0503020204020204" pitchFamily="34" charset="-122"/>
+                <a:sym typeface="+mn-ea"/>
+              </a:rPr>
+              <a:t>海龟库</a:t>
+            </a:r>
+            <a:endParaRPr lang="en-US" altLang="zh-CN">
+              <a:solidFill>
+                <a:schemeClr val="tx1"/>
+              </a:solidFill>
+              <a:effectLst/>
+              <a:latin typeface="微软雅黑" panose="020B0503020204020204" pitchFamily="34" charset="-122"/>
+              <a:ea typeface="微软雅黑" panose="020B0503020204020204" pitchFamily="34" charset="-122"/>
+              <a:cs typeface="微软雅黑" panose="020B0503020204020204" pitchFamily="34" charset="-122"/>
+              <a:sym typeface="+mn-ea"/>
+            </a:endParaRPr>
+          </a:p>
+          <a:p>
+            <a:pPr marL="0" indent="0" algn="l">
+              <a:lnSpc>
+                <a:spcPct val="200000"/>
+              </a:lnSpc>
+              <a:buFont typeface="Arial" panose="020B0604020202020204" pitchFamily="34" charset="0"/>
+              <a:buNone/>
+            </a:pPr>
+            <a:r>
+              <a:rPr lang="en-US" altLang="zh-CN">
+                <a:effectLst/>
+                <a:latin typeface="微软雅黑" panose="020B0503020204020204" pitchFamily="34" charset="-122"/>
+                <a:ea typeface="微软雅黑" panose="020B0503020204020204" pitchFamily="34" charset="-122"/>
+                <a:cs typeface="微软雅黑" panose="020B0503020204020204" pitchFamily="34" charset="-122"/>
+                <a:sym typeface="+mn-ea"/>
+              </a:rPr>
+              <a:t>import turtle</a:t>
+            </a:r>
+            <a:endParaRPr>
+              <a:solidFill>
+                <a:schemeClr val="tx1"/>
+              </a:solidFill>
+              <a:effectLst/>
+              <a:latin typeface="微软雅黑" panose="020B0503020204020204" pitchFamily="34" charset="-122"/>
+              <a:ea typeface="微软雅黑" panose="020B0503020204020204" pitchFamily="34" charset="-122"/>
+              <a:cs typeface="微软雅黑" panose="020B0503020204020204" pitchFamily="34" charset="-122"/>
+              <a:sym typeface="+mn-ea"/>
+            </a:endParaRPr>
+          </a:p>
+          <a:p>
+            <a:pPr marL="0" indent="0" algn="l">
+              <a:lnSpc>
+                <a:spcPct val="200000"/>
+              </a:lnSpc>
+              <a:buFont typeface="Arial" panose="020B0604020202020204" pitchFamily="34" charset="0"/>
+              <a:buNone/>
+            </a:pPr>
+            <a:r>
+              <a:rPr>
+                <a:effectLst/>
+                <a:latin typeface="微软雅黑" panose="020B0503020204020204" pitchFamily="34" charset="-122"/>
+                <a:ea typeface="微软雅黑" panose="020B0503020204020204" pitchFamily="34" charset="-122"/>
+                <a:cs typeface="微软雅黑" panose="020B0503020204020204" pitchFamily="34" charset="-122"/>
+                <a:sym typeface="+mn-ea"/>
+              </a:rPr>
+              <a:t>#把海龟改为熊猫</a:t>
+            </a:r>
+            <a:endParaRPr>
+              <a:solidFill>
+                <a:schemeClr val="tx1"/>
+              </a:solidFill>
+              <a:effectLst/>
+              <a:latin typeface="微软雅黑" panose="020B0503020204020204" pitchFamily="34" charset="-122"/>
+              <a:ea typeface="微软雅黑" panose="020B0503020204020204" pitchFamily="34" charset="-122"/>
+              <a:cs typeface="微软雅黑" panose="020B0503020204020204" pitchFamily="34" charset="-122"/>
+              <a:sym typeface="+mn-ea"/>
+            </a:endParaRPr>
+          </a:p>
+          <a:p>
+            <a:pPr marL="0" indent="0" algn="l">
+              <a:lnSpc>
+                <a:spcPct val="200000"/>
+              </a:lnSpc>
+              <a:buFont typeface="Arial" panose="020B0604020202020204" pitchFamily="34" charset="0"/>
+              <a:buNone/>
+            </a:pPr>
+            <a:r>
+              <a:rPr>
+                <a:effectLst/>
+                <a:latin typeface="微软雅黑" panose="020B0503020204020204" pitchFamily="34" charset="-122"/>
+                <a:ea typeface="微软雅黑" panose="020B0503020204020204" pitchFamily="34" charset="-122"/>
+                <a:cs typeface="微软雅黑" panose="020B0503020204020204" pitchFamily="34" charset="-122"/>
+                <a:sym typeface="+mn-ea"/>
+              </a:rPr>
+              <a:t>turtle.register_shape('panda.gif')</a:t>
+            </a:r>
+            <a:endParaRPr>
+              <a:solidFill>
+                <a:schemeClr val="tx1"/>
+              </a:solidFill>
+              <a:effectLst/>
+              <a:latin typeface="微软雅黑" panose="020B0503020204020204" pitchFamily="34" charset="-122"/>
+              <a:ea typeface="微软雅黑" panose="020B0503020204020204" pitchFamily="34" charset="-122"/>
+              <a:cs typeface="微软雅黑" panose="020B0503020204020204" pitchFamily="34" charset="-122"/>
+              <a:sym typeface="+mn-ea"/>
+            </a:endParaRPr>
+          </a:p>
+          <a:p>
+            <a:pPr marL="0" indent="0" algn="l">
+              <a:lnSpc>
+                <a:spcPct val="200000"/>
+              </a:lnSpc>
+              <a:buFont typeface="Arial" panose="020B0604020202020204" pitchFamily="34" charset="0"/>
+              <a:buNone/>
+            </a:pPr>
+            <a:r>
+              <a:rPr>
+                <a:effectLst/>
+                <a:latin typeface="微软雅黑" panose="020B0503020204020204" pitchFamily="34" charset="-122"/>
+                <a:ea typeface="微软雅黑" panose="020B0503020204020204" pitchFamily="34" charset="-122"/>
+                <a:cs typeface="微软雅黑" panose="020B0503020204020204" pitchFamily="34" charset="-122"/>
+                <a:sym typeface="+mn-ea"/>
+              </a:rPr>
+              <a:t>turtle.shape('panda.gif')</a:t>
             </a:r>
             <a:endParaRPr lang="zh-CN" altLang="en-US"/>
           </a:p>
